--- a/Project2 WorldBank technology.pptx
+++ b/Project2 WorldBank technology.pptx
@@ -4,12 +4,19 @@
   <p:sldMasterIdLst>
     <p:sldMasterId id="2147483677" r:id="rId1"/>
   </p:sldMasterIdLst>
+  <p:notesMasterIdLst>
+    <p:notesMasterId r:id="rId11"/>
+  </p:notesMasterIdLst>
   <p:sldIdLst>
     <p:sldId id="256" r:id="rId2"/>
-    <p:sldId id="266" r:id="rId3"/>
-    <p:sldId id="265" r:id="rId4"/>
-    <p:sldId id="263" r:id="rId5"/>
-    <p:sldId id="262" r:id="rId6"/>
+    <p:sldId id="268" r:id="rId3"/>
+    <p:sldId id="269" r:id="rId4"/>
+    <p:sldId id="266" r:id="rId5"/>
+    <p:sldId id="267" r:id="rId6"/>
+    <p:sldId id="270" r:id="rId7"/>
+    <p:sldId id="271" r:id="rId8"/>
+    <p:sldId id="263" r:id="rId9"/>
+    <p:sldId id="262" r:id="rId10"/>
   </p:sldIdLst>
   <p:sldSz cx="12192000" cy="6858000"/>
   <p:notesSz cx="6858000" cy="9144000"/>
@@ -114,6 +121,1497 @@
     </p:ext>
   </p:extLst>
 </p:presentation>
+</file>
+
+<file path=ppt/charts/chart1.xml><?xml version="1.0" encoding="utf-8"?>
+<c:chartSpace xmlns:c="http://schemas.openxmlformats.org/drawingml/2006/chart" xmlns:a="http://schemas.openxmlformats.org/drawingml/2006/main" xmlns:r="http://schemas.openxmlformats.org/officeDocument/2006/relationships" xmlns:c16r2="http://schemas.microsoft.com/office/drawing/2015/06/chart">
+  <c:date1904 val="0"/>
+  <c:lang val="en-GB"/>
+  <c:roundedCorners val="0"/>
+  <mc:AlternateContent xmlns:mc="http://schemas.openxmlformats.org/markup-compatibility/2006">
+    <mc:Choice xmlns:c14="http://schemas.microsoft.com/office/drawing/2007/8/2/chart" Requires="c14">
+      <c14:style val="102"/>
+    </mc:Choice>
+    <mc:Fallback>
+      <c:style val="2"/>
+    </mc:Fallback>
+  </mc:AlternateContent>
+  <c:chart>
+    <c:title>
+      <c:tx>
+        <c:rich>
+          <a:bodyPr rot="0" spcFirstLastPara="1" vertOverflow="ellipsis" vert="horz" wrap="square" anchor="ctr" anchorCtr="1"/>
+          <a:lstStyle/>
+          <a:p>
+            <a:pPr>
+              <a:defRPr sz="1400" b="0" i="0" u="none" strike="noStrike" kern="1200" spc="0" baseline="0">
+                <a:solidFill>
+                  <a:schemeClr val="tx1">
+                    <a:lumMod val="65000"/>
+                    <a:lumOff val="35000"/>
+                  </a:schemeClr>
+                </a:solidFill>
+                <a:latin typeface="+mn-lt"/>
+                <a:ea typeface="+mn-ea"/>
+                <a:cs typeface="+mn-cs"/>
+              </a:defRPr>
+            </a:pPr>
+            <a:r>
+              <a:rPr lang="en-US"/>
+              <a:t>Indicator Technology</a:t>
+            </a:r>
+          </a:p>
+        </c:rich>
+      </c:tx>
+      <c:overlay val="0"/>
+      <c:spPr>
+        <a:noFill/>
+        <a:ln>
+          <a:noFill/>
+        </a:ln>
+        <a:effectLst/>
+      </c:spPr>
+      <c:txPr>
+        <a:bodyPr rot="0" spcFirstLastPara="1" vertOverflow="ellipsis" vert="horz" wrap="square" anchor="ctr" anchorCtr="1"/>
+        <a:lstStyle/>
+        <a:p>
+          <a:pPr>
+            <a:defRPr sz="1400" b="0" i="0" u="none" strike="noStrike" kern="1200" spc="0" baseline="0">
+              <a:solidFill>
+                <a:schemeClr val="tx1">
+                  <a:lumMod val="65000"/>
+                  <a:lumOff val="35000"/>
+                </a:schemeClr>
+              </a:solidFill>
+              <a:latin typeface="+mn-lt"/>
+              <a:ea typeface="+mn-ea"/>
+              <a:cs typeface="+mn-cs"/>
+            </a:defRPr>
+          </a:pPr>
+          <a:endParaRPr lang="en-PT"/>
+        </a:p>
+      </c:txPr>
+    </c:title>
+    <c:autoTitleDeleted val="0"/>
+    <c:plotArea>
+      <c:layout/>
+      <c:barChart>
+        <c:barDir val="col"/>
+        <c:grouping val="clustered"/>
+        <c:varyColors val="0"/>
+        <c:ser>
+          <c:idx val="0"/>
+          <c:order val="0"/>
+          <c:tx>
+            <c:strRef>
+              <c:f>Sheet1!$A$1</c:f>
+              <c:strCache>
+                <c:ptCount val="1"/>
+                <c:pt idx="0">
+                  <c:v>Country_id</c:v>
+                </c:pt>
+              </c:strCache>
+            </c:strRef>
+          </c:tx>
+          <c:spPr>
+            <a:solidFill>
+              <a:schemeClr val="accent1"/>
+            </a:solidFill>
+            <a:ln>
+              <a:noFill/>
+            </a:ln>
+            <a:effectLst/>
+          </c:spPr>
+          <c:invertIfNegative val="0"/>
+          <c:cat>
+            <c:strRef>
+              <c:f>Sheet1!$A$2:$A$11</c:f>
+              <c:strCache>
+                <c:ptCount val="10"/>
+                <c:pt idx="0">
+                  <c:v>DEU</c:v>
+                </c:pt>
+                <c:pt idx="1">
+                  <c:v>ESP</c:v>
+                </c:pt>
+                <c:pt idx="2">
+                  <c:v>FRA</c:v>
+                </c:pt>
+                <c:pt idx="3">
+                  <c:v>HRV</c:v>
+                </c:pt>
+                <c:pt idx="4">
+                  <c:v>ISR</c:v>
+                </c:pt>
+                <c:pt idx="5">
+                  <c:v>ITA</c:v>
+                </c:pt>
+                <c:pt idx="6">
+                  <c:v>JPN</c:v>
+                </c:pt>
+                <c:pt idx="7">
+                  <c:v>PRT</c:v>
+                </c:pt>
+                <c:pt idx="8">
+                  <c:v>SWE</c:v>
+                </c:pt>
+                <c:pt idx="9">
+                  <c:v>USA</c:v>
+                </c:pt>
+              </c:strCache>
+            </c:strRef>
+          </c:cat>
+          <c:val>
+            <c:numRef>
+              <c:f>Sheet1!$B$2:$B$11</c:f>
+              <c:numCache>
+                <c:formatCode>General</c:formatCode>
+                <c:ptCount val="10"/>
+                <c:pt idx="0">
+                  <c:v>2.3909637874739298</c:v>
+                </c:pt>
+                <c:pt idx="1">
+                  <c:v>0.55345663306559401</c:v>
+                </c:pt>
+                <c:pt idx="2">
+                  <c:v>1.27617935811198</c:v>
+                </c:pt>
+                <c:pt idx="3">
+                  <c:v>0.246378966375639</c:v>
+                </c:pt>
+                <c:pt idx="4">
+                  <c:v>3.1682612005749702</c:v>
+                </c:pt>
+                <c:pt idx="5">
+                  <c:v>0.69700345488787796</c:v>
+                </c:pt>
+                <c:pt idx="6">
+                  <c:v>3.0188650943849198</c:v>
+                </c:pt>
+                <c:pt idx="7">
+                  <c:v>1.3987493052264299</c:v>
+                </c:pt>
+                <c:pt idx="8">
+                  <c:v>2.3272575047134398</c:v>
+                </c:pt>
+                <c:pt idx="9">
+                  <c:v>3.6183629370173702</c:v>
+                </c:pt>
+              </c:numCache>
+            </c:numRef>
+          </c:val>
+          <c:extLst>
+            <c:ext xmlns:c16="http://schemas.microsoft.com/office/drawing/2014/chart" uri="{C3380CC4-5D6E-409C-BE32-E72D297353CC}">
+              <c16:uniqueId val="{00000000-B390-FA4A-9B07-7C5C5E367647}"/>
+            </c:ext>
+          </c:extLst>
+        </c:ser>
+        <c:dLbls>
+          <c:showLegendKey val="0"/>
+          <c:showVal val="0"/>
+          <c:showCatName val="0"/>
+          <c:showSerName val="0"/>
+          <c:showPercent val="0"/>
+          <c:showBubbleSize val="0"/>
+        </c:dLbls>
+        <c:gapWidth val="219"/>
+        <c:overlap val="-27"/>
+        <c:axId val="606245904"/>
+        <c:axId val="606247792"/>
+      </c:barChart>
+      <c:catAx>
+        <c:axId val="606245904"/>
+        <c:scaling>
+          <c:orientation val="minMax"/>
+        </c:scaling>
+        <c:delete val="0"/>
+        <c:axPos val="b"/>
+        <c:numFmt formatCode="General" sourceLinked="1"/>
+        <c:majorTickMark val="none"/>
+        <c:minorTickMark val="none"/>
+        <c:tickLblPos val="nextTo"/>
+        <c:spPr>
+          <a:noFill/>
+          <a:ln w="9525" cap="flat" cmpd="sng" algn="ctr">
+            <a:solidFill>
+              <a:schemeClr val="tx1">
+                <a:lumMod val="15000"/>
+                <a:lumOff val="85000"/>
+              </a:schemeClr>
+            </a:solidFill>
+            <a:round/>
+          </a:ln>
+          <a:effectLst/>
+        </c:spPr>
+        <c:txPr>
+          <a:bodyPr rot="-60000000" spcFirstLastPara="1" vertOverflow="ellipsis" vert="horz" wrap="square" anchor="ctr" anchorCtr="1"/>
+          <a:lstStyle/>
+          <a:p>
+            <a:pPr>
+              <a:defRPr sz="900" b="0" i="0" u="none" strike="noStrike" kern="1200" baseline="0">
+                <a:solidFill>
+                  <a:schemeClr val="tx1">
+                    <a:lumMod val="65000"/>
+                    <a:lumOff val="35000"/>
+                  </a:schemeClr>
+                </a:solidFill>
+                <a:latin typeface="+mn-lt"/>
+                <a:ea typeface="+mn-ea"/>
+                <a:cs typeface="+mn-cs"/>
+              </a:defRPr>
+            </a:pPr>
+            <a:endParaRPr lang="en-PT"/>
+          </a:p>
+        </c:txPr>
+        <c:crossAx val="606247792"/>
+        <c:crosses val="autoZero"/>
+        <c:auto val="1"/>
+        <c:lblAlgn val="ctr"/>
+        <c:lblOffset val="100"/>
+        <c:noMultiLvlLbl val="0"/>
+      </c:catAx>
+      <c:valAx>
+        <c:axId val="606247792"/>
+        <c:scaling>
+          <c:orientation val="minMax"/>
+          <c:max val="5"/>
+        </c:scaling>
+        <c:delete val="0"/>
+        <c:axPos val="l"/>
+        <c:majorGridlines>
+          <c:spPr>
+            <a:ln w="9525" cap="flat" cmpd="sng" algn="ctr">
+              <a:solidFill>
+                <a:schemeClr val="tx1">
+                  <a:lumMod val="15000"/>
+                  <a:lumOff val="85000"/>
+                </a:schemeClr>
+              </a:solidFill>
+              <a:round/>
+            </a:ln>
+            <a:effectLst/>
+          </c:spPr>
+        </c:majorGridlines>
+        <c:numFmt formatCode="General" sourceLinked="1"/>
+        <c:majorTickMark val="none"/>
+        <c:minorTickMark val="none"/>
+        <c:tickLblPos val="nextTo"/>
+        <c:spPr>
+          <a:noFill/>
+          <a:ln>
+            <a:noFill/>
+          </a:ln>
+          <a:effectLst/>
+        </c:spPr>
+        <c:txPr>
+          <a:bodyPr rot="-60000000" spcFirstLastPara="1" vertOverflow="ellipsis" vert="horz" wrap="square" anchor="ctr" anchorCtr="1"/>
+          <a:lstStyle/>
+          <a:p>
+            <a:pPr>
+              <a:defRPr sz="900" b="0" i="0" u="none" strike="noStrike" kern="1200" baseline="0">
+                <a:solidFill>
+                  <a:schemeClr val="tx1">
+                    <a:lumMod val="65000"/>
+                    <a:lumOff val="35000"/>
+                  </a:schemeClr>
+                </a:solidFill>
+                <a:latin typeface="+mn-lt"/>
+                <a:ea typeface="+mn-ea"/>
+                <a:cs typeface="+mn-cs"/>
+              </a:defRPr>
+            </a:pPr>
+            <a:endParaRPr lang="en-PT"/>
+          </a:p>
+        </c:txPr>
+        <c:crossAx val="606245904"/>
+        <c:crosses val="autoZero"/>
+        <c:crossBetween val="between"/>
+      </c:valAx>
+      <c:spPr>
+        <a:noFill/>
+        <a:ln>
+          <a:noFill/>
+        </a:ln>
+        <a:effectLst/>
+      </c:spPr>
+    </c:plotArea>
+    <c:plotVisOnly val="1"/>
+    <c:dispBlanksAs val="gap"/>
+    <c:extLst>
+      <c:ext xmlns:c16r3="http://schemas.microsoft.com/office/drawing/2017/03/chart" uri="{56B9EC1D-385E-4148-901F-78D8002777C0}">
+        <c16r3:dataDisplayOptions16>
+          <c16r3:dispNaAsBlank val="1"/>
+        </c16r3:dataDisplayOptions16>
+      </c:ext>
+    </c:extLst>
+    <c:showDLblsOverMax val="0"/>
+  </c:chart>
+  <c:spPr>
+    <a:noFill/>
+    <a:ln>
+      <a:noFill/>
+    </a:ln>
+    <a:effectLst/>
+  </c:spPr>
+  <c:txPr>
+    <a:bodyPr/>
+    <a:lstStyle/>
+    <a:p>
+      <a:pPr>
+        <a:defRPr/>
+      </a:pPr>
+      <a:endParaRPr lang="en-PT"/>
+    </a:p>
+  </c:txPr>
+  <c:externalData r:id="rId3">
+    <c:autoUpdate val="0"/>
+  </c:externalData>
+</c:chartSpace>
+</file>
+
+<file path=ppt/charts/colors1.xml><?xml version="1.0" encoding="utf-8"?>
+<cs:colorStyle xmlns:cs="http://schemas.microsoft.com/office/drawing/2012/chartStyle" xmlns:a="http://schemas.openxmlformats.org/drawingml/2006/main" meth="cycle" id="10">
+  <a:schemeClr val="accent1"/>
+  <a:schemeClr val="accent2"/>
+  <a:schemeClr val="accent3"/>
+  <a:schemeClr val="accent4"/>
+  <a:schemeClr val="accent5"/>
+  <a:schemeClr val="accent6"/>
+  <cs:variation/>
+  <cs:variation>
+    <a:lumMod val="60000"/>
+  </cs:variation>
+  <cs:variation>
+    <a:lumMod val="80000"/>
+    <a:lumOff val="20000"/>
+  </cs:variation>
+  <cs:variation>
+    <a:lumMod val="80000"/>
+  </cs:variation>
+  <cs:variation>
+    <a:lumMod val="60000"/>
+    <a:lumOff val="40000"/>
+  </cs:variation>
+  <cs:variation>
+    <a:lumMod val="50000"/>
+  </cs:variation>
+  <cs:variation>
+    <a:lumMod val="70000"/>
+    <a:lumOff val="30000"/>
+  </cs:variation>
+  <cs:variation>
+    <a:lumMod val="70000"/>
+  </cs:variation>
+  <cs:variation>
+    <a:lumMod val="50000"/>
+    <a:lumOff val="50000"/>
+  </cs:variation>
+</cs:colorStyle>
+</file>
+
+<file path=ppt/charts/style1.xml><?xml version="1.0" encoding="utf-8"?>
+<cs:chartStyle xmlns:cs="http://schemas.microsoft.com/office/drawing/2012/chartStyle" xmlns:a="http://schemas.openxmlformats.org/drawingml/2006/main" id="201">
+  <cs:axisTitle>
+    <cs:lnRef idx="0"/>
+    <cs:fillRef idx="0"/>
+    <cs:effectRef idx="0"/>
+    <cs:fontRef idx="minor">
+      <a:schemeClr val="tx1">
+        <a:lumMod val="65000"/>
+        <a:lumOff val="35000"/>
+      </a:schemeClr>
+    </cs:fontRef>
+    <cs:defRPr sz="1000" kern="1200"/>
+  </cs:axisTitle>
+  <cs:categoryAxis>
+    <cs:lnRef idx="0"/>
+    <cs:fillRef idx="0"/>
+    <cs:effectRef idx="0"/>
+    <cs:fontRef idx="minor">
+      <a:schemeClr val="tx1">
+        <a:lumMod val="65000"/>
+        <a:lumOff val="35000"/>
+      </a:schemeClr>
+    </cs:fontRef>
+    <cs:spPr>
+      <a:ln w="9525" cap="flat" cmpd="sng" algn="ctr">
+        <a:solidFill>
+          <a:schemeClr val="tx1">
+            <a:lumMod val="15000"/>
+            <a:lumOff val="85000"/>
+          </a:schemeClr>
+        </a:solidFill>
+        <a:round/>
+      </a:ln>
+    </cs:spPr>
+    <cs:defRPr sz="900" kern="1200"/>
+  </cs:categoryAxis>
+  <cs:chartArea mods="allowNoFillOverride allowNoLineOverride">
+    <cs:lnRef idx="0"/>
+    <cs:fillRef idx="0"/>
+    <cs:effectRef idx="0"/>
+    <cs:fontRef idx="minor">
+      <a:schemeClr val="tx1"/>
+    </cs:fontRef>
+    <cs:spPr>
+      <a:solidFill>
+        <a:schemeClr val="bg1"/>
+      </a:solidFill>
+      <a:ln w="9525" cap="flat" cmpd="sng" algn="ctr">
+        <a:solidFill>
+          <a:schemeClr val="tx1">
+            <a:lumMod val="15000"/>
+            <a:lumOff val="85000"/>
+          </a:schemeClr>
+        </a:solidFill>
+        <a:round/>
+      </a:ln>
+    </cs:spPr>
+    <cs:defRPr sz="1000" kern="1200"/>
+  </cs:chartArea>
+  <cs:dataLabel>
+    <cs:lnRef idx="0"/>
+    <cs:fillRef idx="0"/>
+    <cs:effectRef idx="0"/>
+    <cs:fontRef idx="minor">
+      <a:schemeClr val="tx1">
+        <a:lumMod val="75000"/>
+        <a:lumOff val="25000"/>
+      </a:schemeClr>
+    </cs:fontRef>
+    <cs:defRPr sz="900" kern="1200"/>
+  </cs:dataLabel>
+  <cs:dataLabelCallout>
+    <cs:lnRef idx="0"/>
+    <cs:fillRef idx="0"/>
+    <cs:effectRef idx="0"/>
+    <cs:fontRef idx="minor">
+      <a:schemeClr val="dk1">
+        <a:lumMod val="65000"/>
+        <a:lumOff val="35000"/>
+      </a:schemeClr>
+    </cs:fontRef>
+    <cs:spPr>
+      <a:solidFill>
+        <a:schemeClr val="lt1"/>
+      </a:solidFill>
+      <a:ln>
+        <a:solidFill>
+          <a:schemeClr val="dk1">
+            <a:lumMod val="25000"/>
+            <a:lumOff val="75000"/>
+          </a:schemeClr>
+        </a:solidFill>
+      </a:ln>
+    </cs:spPr>
+    <cs:defRPr sz="900" kern="1200"/>
+    <cs:bodyPr rot="0" spcFirstLastPara="1" vertOverflow="clip" horzOverflow="clip" vert="horz" wrap="square" lIns="36576" tIns="18288" rIns="36576" bIns="18288" anchor="ctr" anchorCtr="1">
+      <a:spAutoFit/>
+    </cs:bodyPr>
+  </cs:dataLabelCallout>
+  <cs:dataPoint>
+    <cs:lnRef idx="0"/>
+    <cs:fillRef idx="1">
+      <cs:styleClr val="auto"/>
+    </cs:fillRef>
+    <cs:effectRef idx="0"/>
+    <cs:fontRef idx="minor">
+      <a:schemeClr val="tx1"/>
+    </cs:fontRef>
+  </cs:dataPoint>
+  <cs:dataPoint3D>
+    <cs:lnRef idx="0"/>
+    <cs:fillRef idx="1">
+      <cs:styleClr val="auto"/>
+    </cs:fillRef>
+    <cs:effectRef idx="0"/>
+    <cs:fontRef idx="minor">
+      <a:schemeClr val="tx1"/>
+    </cs:fontRef>
+  </cs:dataPoint3D>
+  <cs:dataPointLine>
+    <cs:lnRef idx="0">
+      <cs:styleClr val="auto"/>
+    </cs:lnRef>
+    <cs:fillRef idx="1"/>
+    <cs:effectRef idx="0"/>
+    <cs:fontRef idx="minor">
+      <a:schemeClr val="tx1"/>
+    </cs:fontRef>
+    <cs:spPr>
+      <a:ln w="28575" cap="rnd">
+        <a:solidFill>
+          <a:schemeClr val="phClr"/>
+        </a:solidFill>
+        <a:round/>
+      </a:ln>
+    </cs:spPr>
+  </cs:dataPointLine>
+  <cs:dataPointMarker>
+    <cs:lnRef idx="0">
+      <cs:styleClr val="auto"/>
+    </cs:lnRef>
+    <cs:fillRef idx="1">
+      <cs:styleClr val="auto"/>
+    </cs:fillRef>
+    <cs:effectRef idx="0"/>
+    <cs:fontRef idx="minor">
+      <a:schemeClr val="tx1"/>
+    </cs:fontRef>
+    <cs:spPr>
+      <a:ln w="9525">
+        <a:solidFill>
+          <a:schemeClr val="phClr"/>
+        </a:solidFill>
+      </a:ln>
+    </cs:spPr>
+  </cs:dataPointMarker>
+  <cs:dataPointMarkerLayout symbol="circle" size="5"/>
+  <cs:dataPointWireframe>
+    <cs:lnRef idx="0">
+      <cs:styleClr val="auto"/>
+    </cs:lnRef>
+    <cs:fillRef idx="1"/>
+    <cs:effectRef idx="0"/>
+    <cs:fontRef idx="minor">
+      <a:schemeClr val="tx1"/>
+    </cs:fontRef>
+    <cs:spPr>
+      <a:ln w="9525" cap="rnd">
+        <a:solidFill>
+          <a:schemeClr val="phClr"/>
+        </a:solidFill>
+        <a:round/>
+      </a:ln>
+    </cs:spPr>
+  </cs:dataPointWireframe>
+  <cs:dataTable>
+    <cs:lnRef idx="0"/>
+    <cs:fillRef idx="0"/>
+    <cs:effectRef idx="0"/>
+    <cs:fontRef idx="minor">
+      <a:schemeClr val="tx1">
+        <a:lumMod val="65000"/>
+        <a:lumOff val="35000"/>
+      </a:schemeClr>
+    </cs:fontRef>
+    <cs:spPr>
+      <a:noFill/>
+      <a:ln w="9525" cap="flat" cmpd="sng" algn="ctr">
+        <a:solidFill>
+          <a:schemeClr val="tx1">
+            <a:lumMod val="15000"/>
+            <a:lumOff val="85000"/>
+          </a:schemeClr>
+        </a:solidFill>
+        <a:round/>
+      </a:ln>
+    </cs:spPr>
+    <cs:defRPr sz="900" kern="1200"/>
+  </cs:dataTable>
+  <cs:downBar>
+    <cs:lnRef idx="0"/>
+    <cs:fillRef idx="0"/>
+    <cs:effectRef idx="0"/>
+    <cs:fontRef idx="minor">
+      <a:schemeClr val="dk1"/>
+    </cs:fontRef>
+    <cs:spPr>
+      <a:solidFill>
+        <a:schemeClr val="dk1">
+          <a:lumMod val="65000"/>
+          <a:lumOff val="35000"/>
+        </a:schemeClr>
+      </a:solidFill>
+      <a:ln w="9525">
+        <a:solidFill>
+          <a:schemeClr val="tx1">
+            <a:lumMod val="65000"/>
+            <a:lumOff val="35000"/>
+          </a:schemeClr>
+        </a:solidFill>
+      </a:ln>
+    </cs:spPr>
+  </cs:downBar>
+  <cs:dropLine>
+    <cs:lnRef idx="0"/>
+    <cs:fillRef idx="0"/>
+    <cs:effectRef idx="0"/>
+    <cs:fontRef idx="minor">
+      <a:schemeClr val="tx1"/>
+    </cs:fontRef>
+    <cs:spPr>
+      <a:ln w="9525" cap="flat" cmpd="sng" algn="ctr">
+        <a:solidFill>
+          <a:schemeClr val="tx1">
+            <a:lumMod val="35000"/>
+            <a:lumOff val="65000"/>
+          </a:schemeClr>
+        </a:solidFill>
+        <a:round/>
+      </a:ln>
+    </cs:spPr>
+  </cs:dropLine>
+  <cs:errorBar>
+    <cs:lnRef idx="0"/>
+    <cs:fillRef idx="0"/>
+    <cs:effectRef idx="0"/>
+    <cs:fontRef idx="minor">
+      <a:schemeClr val="tx1"/>
+    </cs:fontRef>
+    <cs:spPr>
+      <a:ln w="9525" cap="flat" cmpd="sng" algn="ctr">
+        <a:solidFill>
+          <a:schemeClr val="tx1">
+            <a:lumMod val="65000"/>
+            <a:lumOff val="35000"/>
+          </a:schemeClr>
+        </a:solidFill>
+        <a:round/>
+      </a:ln>
+    </cs:spPr>
+  </cs:errorBar>
+  <cs:floor>
+    <cs:lnRef idx="0"/>
+    <cs:fillRef idx="0"/>
+    <cs:effectRef idx="0"/>
+    <cs:fontRef idx="minor">
+      <a:schemeClr val="tx1"/>
+    </cs:fontRef>
+    <cs:spPr>
+      <a:noFill/>
+      <a:ln>
+        <a:noFill/>
+      </a:ln>
+    </cs:spPr>
+  </cs:floor>
+  <cs:gridlineMajor>
+    <cs:lnRef idx="0"/>
+    <cs:fillRef idx="0"/>
+    <cs:effectRef idx="0"/>
+    <cs:fontRef idx="minor">
+      <a:schemeClr val="tx1"/>
+    </cs:fontRef>
+    <cs:spPr>
+      <a:ln w="9525" cap="flat" cmpd="sng" algn="ctr">
+        <a:solidFill>
+          <a:schemeClr val="tx1">
+            <a:lumMod val="15000"/>
+            <a:lumOff val="85000"/>
+          </a:schemeClr>
+        </a:solidFill>
+        <a:round/>
+      </a:ln>
+    </cs:spPr>
+  </cs:gridlineMajor>
+  <cs:gridlineMinor>
+    <cs:lnRef idx="0"/>
+    <cs:fillRef idx="0"/>
+    <cs:effectRef idx="0"/>
+    <cs:fontRef idx="minor">
+      <a:schemeClr val="tx1"/>
+    </cs:fontRef>
+    <cs:spPr>
+      <a:ln w="9525" cap="flat" cmpd="sng" algn="ctr">
+        <a:solidFill>
+          <a:schemeClr val="tx1">
+            <a:lumMod val="5000"/>
+            <a:lumOff val="95000"/>
+          </a:schemeClr>
+        </a:solidFill>
+        <a:round/>
+      </a:ln>
+    </cs:spPr>
+  </cs:gridlineMinor>
+  <cs:hiLoLine>
+    <cs:lnRef idx="0"/>
+    <cs:fillRef idx="0"/>
+    <cs:effectRef idx="0"/>
+    <cs:fontRef idx="minor">
+      <a:schemeClr val="tx1"/>
+    </cs:fontRef>
+    <cs:spPr>
+      <a:ln w="9525" cap="flat" cmpd="sng" algn="ctr">
+        <a:solidFill>
+          <a:schemeClr val="tx1">
+            <a:lumMod val="75000"/>
+            <a:lumOff val="25000"/>
+          </a:schemeClr>
+        </a:solidFill>
+        <a:round/>
+      </a:ln>
+    </cs:spPr>
+  </cs:hiLoLine>
+  <cs:leaderLine>
+    <cs:lnRef idx="0"/>
+    <cs:fillRef idx="0"/>
+    <cs:effectRef idx="0"/>
+    <cs:fontRef idx="minor">
+      <a:schemeClr val="tx1"/>
+    </cs:fontRef>
+    <cs:spPr>
+      <a:ln w="9525" cap="flat" cmpd="sng" algn="ctr">
+        <a:solidFill>
+          <a:schemeClr val="tx1">
+            <a:lumMod val="35000"/>
+            <a:lumOff val="65000"/>
+          </a:schemeClr>
+        </a:solidFill>
+        <a:round/>
+      </a:ln>
+    </cs:spPr>
+  </cs:leaderLine>
+  <cs:legend>
+    <cs:lnRef idx="0"/>
+    <cs:fillRef idx="0"/>
+    <cs:effectRef idx="0"/>
+    <cs:fontRef idx="minor">
+      <a:schemeClr val="tx1">
+        <a:lumMod val="65000"/>
+        <a:lumOff val="35000"/>
+      </a:schemeClr>
+    </cs:fontRef>
+    <cs:defRPr sz="900" kern="1200"/>
+  </cs:legend>
+  <cs:plotArea mods="allowNoFillOverride allowNoLineOverride">
+    <cs:lnRef idx="0"/>
+    <cs:fillRef idx="0"/>
+    <cs:effectRef idx="0"/>
+    <cs:fontRef idx="minor">
+      <a:schemeClr val="tx1"/>
+    </cs:fontRef>
+  </cs:plotArea>
+  <cs:plotArea3D mods="allowNoFillOverride allowNoLineOverride">
+    <cs:lnRef idx="0"/>
+    <cs:fillRef idx="0"/>
+    <cs:effectRef idx="0"/>
+    <cs:fontRef idx="minor">
+      <a:schemeClr val="tx1"/>
+    </cs:fontRef>
+  </cs:plotArea3D>
+  <cs:seriesAxis>
+    <cs:lnRef idx="0"/>
+    <cs:fillRef idx="0"/>
+    <cs:effectRef idx="0"/>
+    <cs:fontRef idx="minor">
+      <a:schemeClr val="tx1">
+        <a:lumMod val="65000"/>
+        <a:lumOff val="35000"/>
+      </a:schemeClr>
+    </cs:fontRef>
+    <cs:defRPr sz="900" kern="1200"/>
+  </cs:seriesAxis>
+  <cs:seriesLine>
+    <cs:lnRef idx="0"/>
+    <cs:fillRef idx="0"/>
+    <cs:effectRef idx="0"/>
+    <cs:fontRef idx="minor">
+      <a:schemeClr val="tx1"/>
+    </cs:fontRef>
+    <cs:spPr>
+      <a:ln w="9525" cap="flat" cmpd="sng" algn="ctr">
+        <a:solidFill>
+          <a:schemeClr val="tx1">
+            <a:lumMod val="35000"/>
+            <a:lumOff val="65000"/>
+          </a:schemeClr>
+        </a:solidFill>
+        <a:round/>
+      </a:ln>
+    </cs:spPr>
+  </cs:seriesLine>
+  <cs:title>
+    <cs:lnRef idx="0"/>
+    <cs:fillRef idx="0"/>
+    <cs:effectRef idx="0"/>
+    <cs:fontRef idx="minor">
+      <a:schemeClr val="tx1">
+        <a:lumMod val="65000"/>
+        <a:lumOff val="35000"/>
+      </a:schemeClr>
+    </cs:fontRef>
+    <cs:defRPr sz="1400" b="0" kern="1200" spc="0" baseline="0"/>
+  </cs:title>
+  <cs:trendline>
+    <cs:lnRef idx="0">
+      <cs:styleClr val="auto"/>
+    </cs:lnRef>
+    <cs:fillRef idx="0"/>
+    <cs:effectRef idx="0"/>
+    <cs:fontRef idx="minor">
+      <a:schemeClr val="tx1"/>
+    </cs:fontRef>
+    <cs:spPr>
+      <a:ln w="19050" cap="rnd">
+        <a:solidFill>
+          <a:schemeClr val="phClr"/>
+        </a:solidFill>
+        <a:prstDash val="sysDot"/>
+      </a:ln>
+    </cs:spPr>
+  </cs:trendline>
+  <cs:trendlineLabel>
+    <cs:lnRef idx="0"/>
+    <cs:fillRef idx="0"/>
+    <cs:effectRef idx="0"/>
+    <cs:fontRef idx="minor">
+      <a:schemeClr val="tx1">
+        <a:lumMod val="65000"/>
+        <a:lumOff val="35000"/>
+      </a:schemeClr>
+    </cs:fontRef>
+    <cs:defRPr sz="900" kern="1200"/>
+  </cs:trendlineLabel>
+  <cs:upBar>
+    <cs:lnRef idx="0"/>
+    <cs:fillRef idx="0"/>
+    <cs:effectRef idx="0"/>
+    <cs:fontRef idx="minor">
+      <a:schemeClr val="dk1"/>
+    </cs:fontRef>
+    <cs:spPr>
+      <a:solidFill>
+        <a:schemeClr val="lt1"/>
+      </a:solidFill>
+      <a:ln w="9525">
+        <a:solidFill>
+          <a:schemeClr val="tx1">
+            <a:lumMod val="15000"/>
+            <a:lumOff val="85000"/>
+          </a:schemeClr>
+        </a:solidFill>
+      </a:ln>
+    </cs:spPr>
+  </cs:upBar>
+  <cs:valueAxis>
+    <cs:lnRef idx="0"/>
+    <cs:fillRef idx="0"/>
+    <cs:effectRef idx="0"/>
+    <cs:fontRef idx="minor">
+      <a:schemeClr val="tx1">
+        <a:lumMod val="65000"/>
+        <a:lumOff val="35000"/>
+      </a:schemeClr>
+    </cs:fontRef>
+    <cs:defRPr sz="900" kern="1200"/>
+  </cs:valueAxis>
+  <cs:wall>
+    <cs:lnRef idx="0"/>
+    <cs:fillRef idx="0"/>
+    <cs:effectRef idx="0"/>
+    <cs:fontRef idx="minor">
+      <a:schemeClr val="tx1"/>
+    </cs:fontRef>
+    <cs:spPr>
+      <a:noFill/>
+      <a:ln>
+        <a:noFill/>
+      </a:ln>
+    </cs:spPr>
+  </cs:wall>
+</cs:chartStyle>
+</file>
+
+<file path=ppt/notesMasters/notesMaster1.xml><?xml version="1.0" encoding="utf-8"?>
+<p:notesMaster xmlns:a="http://schemas.openxmlformats.org/drawingml/2006/main" xmlns:r="http://schemas.openxmlformats.org/officeDocument/2006/relationships" xmlns:p="http://schemas.openxmlformats.org/presentationml/2006/main">
+  <p:cSld>
+    <p:bg>
+      <p:bgRef idx="1001">
+        <a:schemeClr val="bg1"/>
+      </p:bgRef>
+    </p:bg>
+    <p:spTree>
+      <p:nvGrpSpPr>
+        <p:cNvPr id="1" name=""/>
+        <p:cNvGrpSpPr/>
+        <p:nvPr/>
+      </p:nvGrpSpPr>
+      <p:grpSpPr>
+        <a:xfrm>
+          <a:off x="0" y="0"/>
+          <a:ext cx="0" cy="0"/>
+          <a:chOff x="0" y="0"/>
+          <a:chExt cx="0" cy="0"/>
+        </a:xfrm>
+      </p:grpSpPr>
+      <p:sp>
+        <p:nvSpPr>
+          <p:cNvPr id="2" name="Header Placeholder 1"/>
+          <p:cNvSpPr>
+            <a:spLocks noGrp="1"/>
+          </p:cNvSpPr>
+          <p:nvPr>
+            <p:ph type="hdr" sz="quarter"/>
+          </p:nvPr>
+        </p:nvSpPr>
+        <p:spPr>
+          <a:xfrm>
+            <a:off x="0" y="0"/>
+            <a:ext cx="2971800" cy="458788"/>
+          </a:xfrm>
+          <a:prstGeom prst="rect">
+            <a:avLst/>
+          </a:prstGeom>
+        </p:spPr>
+        <p:txBody>
+          <a:bodyPr vert="horz" lIns="91440" tIns="45720" rIns="91440" bIns="45720" rtlCol="0"/>
+          <a:lstStyle>
+            <a:lvl1pPr algn="l">
+              <a:defRPr sz="1200"/>
+            </a:lvl1pPr>
+          </a:lstStyle>
+          <a:p>
+            <a:endParaRPr lang="en-PT"/>
+          </a:p>
+        </p:txBody>
+      </p:sp>
+      <p:sp>
+        <p:nvSpPr>
+          <p:cNvPr id="3" name="Date Placeholder 2"/>
+          <p:cNvSpPr>
+            <a:spLocks noGrp="1"/>
+          </p:cNvSpPr>
+          <p:nvPr>
+            <p:ph type="dt" idx="1"/>
+          </p:nvPr>
+        </p:nvSpPr>
+        <p:spPr>
+          <a:xfrm>
+            <a:off x="3884613" y="0"/>
+            <a:ext cx="2971800" cy="458788"/>
+          </a:xfrm>
+          <a:prstGeom prst="rect">
+            <a:avLst/>
+          </a:prstGeom>
+        </p:spPr>
+        <p:txBody>
+          <a:bodyPr vert="horz" lIns="91440" tIns="45720" rIns="91440" bIns="45720" rtlCol="0"/>
+          <a:lstStyle>
+            <a:lvl1pPr algn="r">
+              <a:defRPr sz="1200"/>
+            </a:lvl1pPr>
+          </a:lstStyle>
+          <a:p>
+            <a:fld id="{43629953-D9AE-8249-9DDE-69509F1EC9BA}" type="datetimeFigureOut">
+              <a:rPr lang="en-PT" smtClean="0"/>
+              <a:t>22/05/2022</a:t>
+            </a:fld>
+            <a:endParaRPr lang="en-PT"/>
+          </a:p>
+        </p:txBody>
+      </p:sp>
+      <p:sp>
+        <p:nvSpPr>
+          <p:cNvPr id="4" name="Slide Image Placeholder 3"/>
+          <p:cNvSpPr>
+            <a:spLocks noGrp="1" noRot="1" noChangeAspect="1"/>
+          </p:cNvSpPr>
+          <p:nvPr>
+            <p:ph type="sldImg" idx="2"/>
+          </p:nvPr>
+        </p:nvSpPr>
+        <p:spPr>
+          <a:xfrm>
+            <a:off x="685800" y="1143000"/>
+            <a:ext cx="5486400" cy="3086100"/>
+          </a:xfrm>
+          <a:prstGeom prst="rect">
+            <a:avLst/>
+          </a:prstGeom>
+          <a:noFill/>
+          <a:ln w="12700">
+            <a:solidFill>
+              <a:prstClr val="black"/>
+            </a:solidFill>
+          </a:ln>
+        </p:spPr>
+        <p:txBody>
+          <a:bodyPr vert="horz" lIns="91440" tIns="45720" rIns="91440" bIns="45720" rtlCol="0" anchor="ctr"/>
+          <a:lstStyle/>
+          <a:p>
+            <a:endParaRPr lang="en-PT"/>
+          </a:p>
+        </p:txBody>
+      </p:sp>
+      <p:sp>
+        <p:nvSpPr>
+          <p:cNvPr id="5" name="Notes Placeholder 4"/>
+          <p:cNvSpPr>
+            <a:spLocks noGrp="1"/>
+          </p:cNvSpPr>
+          <p:nvPr>
+            <p:ph type="body" sz="quarter" idx="3"/>
+          </p:nvPr>
+        </p:nvSpPr>
+        <p:spPr>
+          <a:xfrm>
+            <a:off x="685800" y="4400550"/>
+            <a:ext cx="5486400" cy="3600450"/>
+          </a:xfrm>
+          <a:prstGeom prst="rect">
+            <a:avLst/>
+          </a:prstGeom>
+        </p:spPr>
+        <p:txBody>
+          <a:bodyPr vert="horz" lIns="91440" tIns="45720" rIns="91440" bIns="45720" rtlCol="0"/>
+          <a:lstStyle/>
+          <a:p>
+            <a:pPr lvl="0"/>
+            <a:r>
+              <a:rPr lang="en-GB"/>
+              <a:t>Click to edit Master text styles</a:t>
+            </a:r>
+          </a:p>
+          <a:p>
+            <a:pPr lvl="1"/>
+            <a:r>
+              <a:rPr lang="en-GB"/>
+              <a:t>Second level</a:t>
+            </a:r>
+          </a:p>
+          <a:p>
+            <a:pPr lvl="2"/>
+            <a:r>
+              <a:rPr lang="en-GB"/>
+              <a:t>Third level</a:t>
+            </a:r>
+          </a:p>
+          <a:p>
+            <a:pPr lvl="3"/>
+            <a:r>
+              <a:rPr lang="en-GB"/>
+              <a:t>Fourth level</a:t>
+            </a:r>
+          </a:p>
+          <a:p>
+            <a:pPr lvl="4"/>
+            <a:r>
+              <a:rPr lang="en-GB"/>
+              <a:t>Fifth level</a:t>
+            </a:r>
+            <a:endParaRPr lang="en-PT"/>
+          </a:p>
+        </p:txBody>
+      </p:sp>
+      <p:sp>
+        <p:nvSpPr>
+          <p:cNvPr id="6" name="Footer Placeholder 5"/>
+          <p:cNvSpPr>
+            <a:spLocks noGrp="1"/>
+          </p:cNvSpPr>
+          <p:nvPr>
+            <p:ph type="ftr" sz="quarter" idx="4"/>
+          </p:nvPr>
+        </p:nvSpPr>
+        <p:spPr>
+          <a:xfrm>
+            <a:off x="0" y="8685213"/>
+            <a:ext cx="2971800" cy="458787"/>
+          </a:xfrm>
+          <a:prstGeom prst="rect">
+            <a:avLst/>
+          </a:prstGeom>
+        </p:spPr>
+        <p:txBody>
+          <a:bodyPr vert="horz" lIns="91440" tIns="45720" rIns="91440" bIns="45720" rtlCol="0" anchor="b"/>
+          <a:lstStyle>
+            <a:lvl1pPr algn="l">
+              <a:defRPr sz="1200"/>
+            </a:lvl1pPr>
+          </a:lstStyle>
+          <a:p>
+            <a:endParaRPr lang="en-PT"/>
+          </a:p>
+        </p:txBody>
+      </p:sp>
+      <p:sp>
+        <p:nvSpPr>
+          <p:cNvPr id="7" name="Slide Number Placeholder 6"/>
+          <p:cNvSpPr>
+            <a:spLocks noGrp="1"/>
+          </p:cNvSpPr>
+          <p:nvPr>
+            <p:ph type="sldNum" sz="quarter" idx="5"/>
+          </p:nvPr>
+        </p:nvSpPr>
+        <p:spPr>
+          <a:xfrm>
+            <a:off x="3884613" y="8685213"/>
+            <a:ext cx="2971800" cy="458787"/>
+          </a:xfrm>
+          <a:prstGeom prst="rect">
+            <a:avLst/>
+          </a:prstGeom>
+        </p:spPr>
+        <p:txBody>
+          <a:bodyPr vert="horz" lIns="91440" tIns="45720" rIns="91440" bIns="45720" rtlCol="0" anchor="b"/>
+          <a:lstStyle>
+            <a:lvl1pPr algn="r">
+              <a:defRPr sz="1200"/>
+            </a:lvl1pPr>
+          </a:lstStyle>
+          <a:p>
+            <a:fld id="{F3E149F3-C739-B143-A125-C53758079EDA}" type="slidenum">
+              <a:rPr lang="en-PT" smtClean="0"/>
+              <a:t>‹#›</a:t>
+            </a:fld>
+            <a:endParaRPr lang="en-PT"/>
+          </a:p>
+        </p:txBody>
+      </p:sp>
+    </p:spTree>
+    <p:extLst>
+      <p:ext uri="{BB962C8B-B14F-4D97-AF65-F5344CB8AC3E}">
+        <p14:creationId xmlns:p14="http://schemas.microsoft.com/office/powerpoint/2010/main" val="3826872501"/>
+      </p:ext>
+    </p:extLst>
+  </p:cSld>
+  <p:clrMap bg1="lt1" tx1="dk1" bg2="lt2" tx2="dk2" accent1="accent1" accent2="accent2" accent3="accent3" accent4="accent4" accent5="accent5" accent6="accent6" hlink="hlink" folHlink="folHlink"/>
+  <p:notesStyle>
+    <a:lvl1pPr marL="0" algn="l" defTabSz="914400" rtl="0" eaLnBrk="1" latinLnBrk="0" hangingPunct="1">
+      <a:defRPr sz="1200" kern="1200">
+        <a:solidFill>
+          <a:schemeClr val="tx1"/>
+        </a:solidFill>
+        <a:latin typeface="+mn-lt"/>
+        <a:ea typeface="+mn-ea"/>
+        <a:cs typeface="+mn-cs"/>
+      </a:defRPr>
+    </a:lvl1pPr>
+    <a:lvl2pPr marL="457200" algn="l" defTabSz="914400" rtl="0" eaLnBrk="1" latinLnBrk="0" hangingPunct="1">
+      <a:defRPr sz="1200" kern="1200">
+        <a:solidFill>
+          <a:schemeClr val="tx1"/>
+        </a:solidFill>
+        <a:latin typeface="+mn-lt"/>
+        <a:ea typeface="+mn-ea"/>
+        <a:cs typeface="+mn-cs"/>
+      </a:defRPr>
+    </a:lvl2pPr>
+    <a:lvl3pPr marL="914400" algn="l" defTabSz="914400" rtl="0" eaLnBrk="1" latinLnBrk="0" hangingPunct="1">
+      <a:defRPr sz="1200" kern="1200">
+        <a:solidFill>
+          <a:schemeClr val="tx1"/>
+        </a:solidFill>
+        <a:latin typeface="+mn-lt"/>
+        <a:ea typeface="+mn-ea"/>
+        <a:cs typeface="+mn-cs"/>
+      </a:defRPr>
+    </a:lvl3pPr>
+    <a:lvl4pPr marL="1371600" algn="l" defTabSz="914400" rtl="0" eaLnBrk="1" latinLnBrk="0" hangingPunct="1">
+      <a:defRPr sz="1200" kern="1200">
+        <a:solidFill>
+          <a:schemeClr val="tx1"/>
+        </a:solidFill>
+        <a:latin typeface="+mn-lt"/>
+        <a:ea typeface="+mn-ea"/>
+        <a:cs typeface="+mn-cs"/>
+      </a:defRPr>
+    </a:lvl4pPr>
+    <a:lvl5pPr marL="1828800" algn="l" defTabSz="914400" rtl="0" eaLnBrk="1" latinLnBrk="0" hangingPunct="1">
+      <a:defRPr sz="1200" kern="1200">
+        <a:solidFill>
+          <a:schemeClr val="tx1"/>
+        </a:solidFill>
+        <a:latin typeface="+mn-lt"/>
+        <a:ea typeface="+mn-ea"/>
+        <a:cs typeface="+mn-cs"/>
+      </a:defRPr>
+    </a:lvl5pPr>
+    <a:lvl6pPr marL="2286000" algn="l" defTabSz="914400" rtl="0" eaLnBrk="1" latinLnBrk="0" hangingPunct="1">
+      <a:defRPr sz="1200" kern="1200">
+        <a:solidFill>
+          <a:schemeClr val="tx1"/>
+        </a:solidFill>
+        <a:latin typeface="+mn-lt"/>
+        <a:ea typeface="+mn-ea"/>
+        <a:cs typeface="+mn-cs"/>
+      </a:defRPr>
+    </a:lvl6pPr>
+    <a:lvl7pPr marL="2743200" algn="l" defTabSz="914400" rtl="0" eaLnBrk="1" latinLnBrk="0" hangingPunct="1">
+      <a:defRPr sz="1200" kern="1200">
+        <a:solidFill>
+          <a:schemeClr val="tx1"/>
+        </a:solidFill>
+        <a:latin typeface="+mn-lt"/>
+        <a:ea typeface="+mn-ea"/>
+        <a:cs typeface="+mn-cs"/>
+      </a:defRPr>
+    </a:lvl7pPr>
+    <a:lvl8pPr marL="3200400" algn="l" defTabSz="914400" rtl="0" eaLnBrk="1" latinLnBrk="0" hangingPunct="1">
+      <a:defRPr sz="1200" kern="1200">
+        <a:solidFill>
+          <a:schemeClr val="tx1"/>
+        </a:solidFill>
+        <a:latin typeface="+mn-lt"/>
+        <a:ea typeface="+mn-ea"/>
+        <a:cs typeface="+mn-cs"/>
+      </a:defRPr>
+    </a:lvl8pPr>
+    <a:lvl9pPr marL="3657600" algn="l" defTabSz="914400" rtl="0" eaLnBrk="1" latinLnBrk="0" hangingPunct="1">
+      <a:defRPr sz="1200" kern="1200">
+        <a:solidFill>
+          <a:schemeClr val="tx1"/>
+        </a:solidFill>
+        <a:latin typeface="+mn-lt"/>
+        <a:ea typeface="+mn-ea"/>
+        <a:cs typeface="+mn-cs"/>
+      </a:defRPr>
+    </a:lvl9pPr>
+  </p:notesStyle>
+</p:notesMaster>
+</file>
+
+<file path=ppt/notesSlides/notesSlide1.xml><?xml version="1.0" encoding="utf-8"?>
+<p:notes xmlns:a="http://schemas.openxmlformats.org/drawingml/2006/main" xmlns:r="http://schemas.openxmlformats.org/officeDocument/2006/relationships" xmlns:p="http://schemas.openxmlformats.org/presentationml/2006/main">
+  <p:cSld>
+    <p:spTree>
+      <p:nvGrpSpPr>
+        <p:cNvPr id="1" name=""/>
+        <p:cNvGrpSpPr/>
+        <p:nvPr/>
+      </p:nvGrpSpPr>
+      <p:grpSpPr>
+        <a:xfrm>
+          <a:off x="0" y="0"/>
+          <a:ext cx="0" cy="0"/>
+          <a:chOff x="0" y="0"/>
+          <a:chExt cx="0" cy="0"/>
+        </a:xfrm>
+      </p:grpSpPr>
+      <p:sp>
+        <p:nvSpPr>
+          <p:cNvPr id="2" name="Slide Image Placeholder 1"/>
+          <p:cNvSpPr>
+            <a:spLocks noGrp="1" noRot="1" noChangeAspect="1"/>
+          </p:cNvSpPr>
+          <p:nvPr>
+            <p:ph type="sldImg"/>
+          </p:nvPr>
+        </p:nvSpPr>
+        <p:spPr/>
+      </p:sp>
+      <p:sp>
+        <p:nvSpPr>
+          <p:cNvPr id="3" name="Notes Placeholder 2"/>
+          <p:cNvSpPr>
+            <a:spLocks noGrp="1"/>
+          </p:cNvSpPr>
+          <p:nvPr>
+            <p:ph type="body" idx="1"/>
+          </p:nvPr>
+        </p:nvSpPr>
+        <p:spPr/>
+        <p:txBody>
+          <a:bodyPr/>
+          <a:lstStyle/>
+          <a:p>
+            <a:endParaRPr lang="en-PT" dirty="0"/>
+          </a:p>
+        </p:txBody>
+      </p:sp>
+      <p:sp>
+        <p:nvSpPr>
+          <p:cNvPr id="4" name="Slide Number Placeholder 3"/>
+          <p:cNvSpPr>
+            <a:spLocks noGrp="1"/>
+          </p:cNvSpPr>
+          <p:nvPr>
+            <p:ph type="sldNum" sz="quarter" idx="5"/>
+          </p:nvPr>
+        </p:nvSpPr>
+        <p:spPr/>
+        <p:txBody>
+          <a:bodyPr/>
+          <a:lstStyle/>
+          <a:p>
+            <a:fld id="{F3E149F3-C739-B143-A125-C53758079EDA}" type="slidenum">
+              <a:rPr lang="en-PT" smtClean="0"/>
+              <a:t>5</a:t>
+            </a:fld>
+            <a:endParaRPr lang="en-PT"/>
+          </a:p>
+        </p:txBody>
+      </p:sp>
+    </p:spTree>
+    <p:extLst>
+      <p:ext uri="{BB962C8B-B14F-4D97-AF65-F5344CB8AC3E}">
+        <p14:creationId xmlns:p14="http://schemas.microsoft.com/office/powerpoint/2010/main" val="3263565215"/>
+      </p:ext>
+    </p:extLst>
+  </p:cSld>
+  <p:clrMapOvr>
+    <a:masterClrMapping/>
+  </p:clrMapOvr>
+</p:notes>
+</file>
+
+<file path=ppt/notesSlides/notesSlide2.xml><?xml version="1.0" encoding="utf-8"?>
+<p:notes xmlns:a="http://schemas.openxmlformats.org/drawingml/2006/main" xmlns:r="http://schemas.openxmlformats.org/officeDocument/2006/relationships" xmlns:p="http://schemas.openxmlformats.org/presentationml/2006/main">
+  <p:cSld>
+    <p:spTree>
+      <p:nvGrpSpPr>
+        <p:cNvPr id="1" name=""/>
+        <p:cNvGrpSpPr/>
+        <p:nvPr/>
+      </p:nvGrpSpPr>
+      <p:grpSpPr>
+        <a:xfrm>
+          <a:off x="0" y="0"/>
+          <a:ext cx="0" cy="0"/>
+          <a:chOff x="0" y="0"/>
+          <a:chExt cx="0" cy="0"/>
+        </a:xfrm>
+      </p:grpSpPr>
+      <p:sp>
+        <p:nvSpPr>
+          <p:cNvPr id="2" name="Slide Image Placeholder 1"/>
+          <p:cNvSpPr>
+            <a:spLocks noGrp="1" noRot="1" noChangeAspect="1"/>
+          </p:cNvSpPr>
+          <p:nvPr>
+            <p:ph type="sldImg"/>
+          </p:nvPr>
+        </p:nvSpPr>
+        <p:spPr/>
+      </p:sp>
+      <p:sp>
+        <p:nvSpPr>
+          <p:cNvPr id="3" name="Notes Placeholder 2"/>
+          <p:cNvSpPr>
+            <a:spLocks noGrp="1"/>
+          </p:cNvSpPr>
+          <p:nvPr>
+            <p:ph type="body" idx="1"/>
+          </p:nvPr>
+        </p:nvSpPr>
+        <p:spPr/>
+        <p:txBody>
+          <a:bodyPr/>
+          <a:lstStyle/>
+          <a:p>
+            <a:endParaRPr lang="en-PT" dirty="0"/>
+          </a:p>
+        </p:txBody>
+      </p:sp>
+      <p:sp>
+        <p:nvSpPr>
+          <p:cNvPr id="4" name="Slide Number Placeholder 3"/>
+          <p:cNvSpPr>
+            <a:spLocks noGrp="1"/>
+          </p:cNvSpPr>
+          <p:nvPr>
+            <p:ph type="sldNum" sz="quarter" idx="5"/>
+          </p:nvPr>
+        </p:nvSpPr>
+        <p:spPr/>
+        <p:txBody>
+          <a:bodyPr/>
+          <a:lstStyle/>
+          <a:p>
+            <a:fld id="{F3E149F3-C739-B143-A125-C53758079EDA}" type="slidenum">
+              <a:rPr lang="en-PT" smtClean="0"/>
+              <a:t>6</a:t>
+            </a:fld>
+            <a:endParaRPr lang="en-PT"/>
+          </a:p>
+        </p:txBody>
+      </p:sp>
+    </p:spTree>
+    <p:extLst>
+      <p:ext uri="{BB962C8B-B14F-4D97-AF65-F5344CB8AC3E}">
+        <p14:creationId xmlns:p14="http://schemas.microsoft.com/office/powerpoint/2010/main" val="2778229618"/>
+      </p:ext>
+    </p:extLst>
+  </p:cSld>
+  <p:clrMapOvr>
+    <a:masterClrMapping/>
+  </p:clrMapOvr>
+</p:notes>
+</file>
+
+<file path=ppt/notesSlides/notesSlide3.xml><?xml version="1.0" encoding="utf-8"?>
+<p:notes xmlns:a="http://schemas.openxmlformats.org/drawingml/2006/main" xmlns:r="http://schemas.openxmlformats.org/officeDocument/2006/relationships" xmlns:p="http://schemas.openxmlformats.org/presentationml/2006/main">
+  <p:cSld>
+    <p:spTree>
+      <p:nvGrpSpPr>
+        <p:cNvPr id="1" name=""/>
+        <p:cNvGrpSpPr/>
+        <p:nvPr/>
+      </p:nvGrpSpPr>
+      <p:grpSpPr>
+        <a:xfrm>
+          <a:off x="0" y="0"/>
+          <a:ext cx="0" cy="0"/>
+          <a:chOff x="0" y="0"/>
+          <a:chExt cx="0" cy="0"/>
+        </a:xfrm>
+      </p:grpSpPr>
+      <p:sp>
+        <p:nvSpPr>
+          <p:cNvPr id="2" name="Slide Image Placeholder 1"/>
+          <p:cNvSpPr>
+            <a:spLocks noGrp="1" noRot="1" noChangeAspect="1"/>
+          </p:cNvSpPr>
+          <p:nvPr>
+            <p:ph type="sldImg"/>
+          </p:nvPr>
+        </p:nvSpPr>
+        <p:spPr/>
+      </p:sp>
+      <p:sp>
+        <p:nvSpPr>
+          <p:cNvPr id="3" name="Notes Placeholder 2"/>
+          <p:cNvSpPr>
+            <a:spLocks noGrp="1"/>
+          </p:cNvSpPr>
+          <p:nvPr>
+            <p:ph type="body" idx="1"/>
+          </p:nvPr>
+        </p:nvSpPr>
+        <p:spPr/>
+        <p:txBody>
+          <a:bodyPr/>
+          <a:lstStyle/>
+          <a:p>
+            <a:endParaRPr lang="en-PT" dirty="0"/>
+          </a:p>
+        </p:txBody>
+      </p:sp>
+      <p:sp>
+        <p:nvSpPr>
+          <p:cNvPr id="4" name="Slide Number Placeholder 3"/>
+          <p:cNvSpPr>
+            <a:spLocks noGrp="1"/>
+          </p:cNvSpPr>
+          <p:nvPr>
+            <p:ph type="sldNum" sz="quarter" idx="5"/>
+          </p:nvPr>
+        </p:nvSpPr>
+        <p:spPr/>
+        <p:txBody>
+          <a:bodyPr/>
+          <a:lstStyle/>
+          <a:p>
+            <a:fld id="{F3E149F3-C739-B143-A125-C53758079EDA}" type="slidenum">
+              <a:rPr lang="en-PT" smtClean="0"/>
+              <a:t>7</a:t>
+            </a:fld>
+            <a:endParaRPr lang="en-PT"/>
+          </a:p>
+        </p:txBody>
+      </p:sp>
+    </p:spTree>
+    <p:extLst>
+      <p:ext uri="{BB962C8B-B14F-4D97-AF65-F5344CB8AC3E}">
+        <p14:creationId xmlns:p14="http://schemas.microsoft.com/office/powerpoint/2010/main" val="2725129484"/>
+      </p:ext>
+    </p:extLst>
+  </p:cSld>
+  <p:clrMapOvr>
+    <a:masterClrMapping/>
+  </p:clrMapOvr>
+</p:notes>
 </file>
 
 <file path=ppt/slideLayouts/slideLayout1.xml><?xml version="1.0" encoding="utf-8"?>
@@ -6298,7 +7796,7 @@
         </p:spPr>
         <p:txBody>
           <a:bodyPr vert="horz" lIns="91440" tIns="45720" rIns="91440" bIns="45720" rtlCol="0" anchor="b">
-            <a:normAutofit fontScale="75000" lnSpcReduction="20000"/>
+            <a:normAutofit fontScale="97500"/>
           </a:bodyPr>
           <a:lstStyle>
             <a:lvl1pPr algn="r" defTabSz="457200" rtl="0" eaLnBrk="1" latinLnBrk="0" hangingPunct="1">
@@ -6382,17 +7880,46 @@
                   </a:schemeClr>
                 </a:solidFill>
               </a:rPr>
-              <a:t>Descripton of the Database</a:t>
-            </a:r>
-          </a:p>
-        </p:txBody>
-      </p:sp>
-      <p:sp>
-        <p:nvSpPr>
-          <p:cNvPr id="7" name="TextBox 6">
+              <a:t>Planning - Jira</a:t>
+            </a:r>
+          </a:p>
+        </p:txBody>
+      </p:sp>
+      <p:pic>
+        <p:nvPicPr>
+          <p:cNvPr id="5" name="Picture 4">
             <a:extLst>
               <a:ext uri="{FF2B5EF4-FFF2-40B4-BE49-F238E27FC236}">
-                <a16:creationId xmlns:a16="http://schemas.microsoft.com/office/drawing/2014/main" id="{91CEC082-F482-91B6-E757-D849C0225358}"/>
+                <a16:creationId xmlns:a16="http://schemas.microsoft.com/office/drawing/2014/main" id="{9E8FDA3E-5EB2-6266-9D1B-3164F7AB870A}"/>
+              </a:ext>
+            </a:extLst>
+          </p:cNvPr>
+          <p:cNvPicPr>
+            <a:picLocks noChangeAspect="1"/>
+          </p:cNvPicPr>
+          <p:nvPr/>
+        </p:nvPicPr>
+        <p:blipFill rotWithShape="1">
+          <a:blip r:embed="rId3"/>
+          <a:srcRect r="40388"/>
+          <a:stretch/>
+        </p:blipFill>
+        <p:spPr>
+          <a:xfrm>
+            <a:off x="1663599" y="2416645"/>
+            <a:ext cx="2453268" cy="2832669"/>
+          </a:xfrm>
+          <a:prstGeom prst="rect">
+            <a:avLst/>
+          </a:prstGeom>
+        </p:spPr>
+      </p:pic>
+      <p:sp>
+        <p:nvSpPr>
+          <p:cNvPr id="8" name="TextBox 7">
+            <a:extLst>
+              <a:ext uri="{FF2B5EF4-FFF2-40B4-BE49-F238E27FC236}">
+                <a16:creationId xmlns:a16="http://schemas.microsoft.com/office/drawing/2014/main" id="{F29D1D01-C440-DBEC-7CA1-8A5BE0FCF40C}"/>
               </a:ext>
             </a:extLst>
           </p:cNvPr>
@@ -6401,8 +7928,8 @@
         </p:nvSpPr>
         <p:spPr>
           <a:xfrm>
-            <a:off x="988963" y="2183934"/>
-            <a:ext cx="8512225" cy="3970318"/>
+            <a:off x="2390484" y="1837071"/>
+            <a:ext cx="1380067" cy="584775"/>
           </a:xfrm>
           <a:prstGeom prst="rect">
             <a:avLst/>
@@ -6416,177 +7943,98 @@
           <a:lstStyle/>
           <a:p>
             <a:r>
-              <a:rPr lang="en-GB" dirty="0">
+              <a:rPr lang="en-PT" sz="3200" dirty="0">
                 <a:solidFill>
                   <a:schemeClr val="accent1">
                     <a:lumMod val="50000"/>
                   </a:schemeClr>
                 </a:solidFill>
+                <a:latin typeface="+mj-lt"/>
+                <a:ea typeface="+mj-ea"/>
+                <a:cs typeface="+mj-cs"/>
               </a:rPr>
-              <a:t>We created a composite indicator from R&amp;D and economic statistics.</a:t>
-            </a:r>
-          </a:p>
-          <a:p>
-            <a:endParaRPr lang="en-GB" dirty="0">
-              <a:solidFill>
-                <a:schemeClr val="accent1">
-                  <a:lumMod val="50000"/>
-                </a:schemeClr>
-              </a:solidFill>
-            </a:endParaRPr>
-          </a:p>
-          <a:p>
-            <a:r>
-              <a:rPr lang="en-GB" dirty="0">
+              <a:t>Start</a:t>
+            </a:r>
+          </a:p>
+        </p:txBody>
+      </p:sp>
+      <p:sp>
+        <p:nvSpPr>
+          <p:cNvPr id="11" name="TextBox 10">
+            <a:extLst>
+              <a:ext uri="{FF2B5EF4-FFF2-40B4-BE49-F238E27FC236}">
+                <a16:creationId xmlns:a16="http://schemas.microsoft.com/office/drawing/2014/main" id="{BFB0BF8F-5133-FE9A-F5F6-5958BA384EEA}"/>
+              </a:ext>
+            </a:extLst>
+          </p:cNvPr>
+          <p:cNvSpPr txBox="1"/>
+          <p:nvPr/>
+        </p:nvSpPr>
+        <p:spPr>
+          <a:xfrm>
+            <a:off x="6776351" y="1692971"/>
+            <a:ext cx="1380067" cy="584775"/>
+          </a:xfrm>
+          <a:prstGeom prst="rect">
+            <a:avLst/>
+          </a:prstGeom>
+          <a:noFill/>
+        </p:spPr>
+        <p:txBody>
+          <a:bodyPr wrap="square" rtlCol="0">
+            <a:spAutoFit/>
+          </a:bodyPr>
+          <a:lstStyle/>
+          <a:p>
+            <a:r>
+              <a:rPr lang="en-PT" sz="3200" dirty="0">
                 <a:solidFill>
                   <a:schemeClr val="accent1">
                     <a:lumMod val="50000"/>
                   </a:schemeClr>
                 </a:solidFill>
+                <a:latin typeface="+mj-lt"/>
+                <a:ea typeface="+mj-ea"/>
+                <a:cs typeface="+mj-cs"/>
               </a:rPr>
-              <a:t>The data was scraped from the World Bank database via an API wrapper.</a:t>
-            </a:r>
-          </a:p>
-          <a:p>
-            <a:endParaRPr lang="en-GB" dirty="0">
-              <a:solidFill>
-                <a:schemeClr val="accent1">
-                  <a:lumMod val="50000"/>
-                </a:schemeClr>
-              </a:solidFill>
-            </a:endParaRPr>
-          </a:p>
-          <a:p>
-            <a:r>
-              <a:rPr lang="en-GB" dirty="0">
-                <a:solidFill>
-                  <a:schemeClr val="accent1">
-                    <a:lumMod val="50000"/>
-                  </a:schemeClr>
-                </a:solidFill>
-              </a:rPr>
-              <a:t>Our composite indicator was made using the following:</a:t>
-            </a:r>
-          </a:p>
-          <a:p>
-            <a:pPr marL="285750" indent="-285750">
-              <a:buFont typeface="Arial" panose="020B0604020202020204" pitchFamily="34" charset="0"/>
-              <a:buChar char="•"/>
-            </a:pPr>
-            <a:r>
-              <a:rPr lang="en-GB" dirty="0">
-                <a:solidFill>
-                  <a:schemeClr val="accent1">
-                    <a:lumMod val="50000"/>
-                  </a:schemeClr>
-                </a:solidFill>
-              </a:rPr>
-              <a:t>Research and development expenditure (% of GDP)</a:t>
-            </a:r>
-          </a:p>
-          <a:p>
-            <a:pPr marL="285750" indent="-285750">
-              <a:buFont typeface="Arial" panose="020B0604020202020204" pitchFamily="34" charset="0"/>
-              <a:buChar char="•"/>
-            </a:pPr>
-            <a:r>
-              <a:rPr lang="en-GB" dirty="0">
-                <a:solidFill>
-                  <a:schemeClr val="accent1">
-                    <a:lumMod val="50000"/>
-                  </a:schemeClr>
-                </a:solidFill>
-              </a:rPr>
-              <a:t>High-technology exports (% of manufactured exports)</a:t>
-            </a:r>
-          </a:p>
-          <a:p>
-            <a:pPr marL="285750" indent="-285750">
-              <a:buFont typeface="Arial" panose="020B0604020202020204" pitchFamily="34" charset="0"/>
-              <a:buChar char="•"/>
-            </a:pPr>
-            <a:r>
-              <a:rPr lang="en-GB" dirty="0">
-                <a:solidFill>
-                  <a:schemeClr val="accent1">
-                    <a:lumMod val="50000"/>
-                  </a:schemeClr>
-                </a:solidFill>
-              </a:rPr>
-              <a:t>Scientific and technical journal articles</a:t>
-            </a:r>
-          </a:p>
-          <a:p>
-            <a:pPr marL="285750" indent="-285750">
-              <a:buFont typeface="Arial" panose="020B0604020202020204" pitchFamily="34" charset="0"/>
-              <a:buChar char="•"/>
-            </a:pPr>
-            <a:r>
-              <a:rPr lang="en-GB" dirty="0">
-                <a:solidFill>
-                  <a:schemeClr val="accent1">
-                    <a:lumMod val="50000"/>
-                  </a:schemeClr>
-                </a:solidFill>
-              </a:rPr>
-              <a:t>Patent applications, residents</a:t>
-            </a:r>
-          </a:p>
-          <a:p>
-            <a:pPr marL="285750" indent="-285750">
-              <a:buFont typeface="Arial" panose="020B0604020202020204" pitchFamily="34" charset="0"/>
-              <a:buChar char="•"/>
-            </a:pPr>
-            <a:r>
-              <a:rPr lang="en-GB" dirty="0">
-                <a:solidFill>
-                  <a:schemeClr val="accent1">
-                    <a:lumMod val="50000"/>
-                  </a:schemeClr>
-                </a:solidFill>
-              </a:rPr>
-              <a:t>Patent applications, non-residents</a:t>
-            </a:r>
-          </a:p>
-          <a:p>
-            <a:endParaRPr lang="en-GB" dirty="0">
-              <a:solidFill>
-                <a:schemeClr val="accent1">
-                  <a:lumMod val="50000"/>
-                </a:schemeClr>
-              </a:solidFill>
-            </a:endParaRPr>
-          </a:p>
-          <a:p>
-            <a:r>
-              <a:rPr lang="en-GB" dirty="0">
-                <a:solidFill>
-                  <a:schemeClr val="accent1">
-                    <a:lumMod val="50000"/>
-                  </a:schemeClr>
-                </a:solidFill>
-              </a:rPr>
-              <a:t>The 10 countries selected are European with the addition of the US, Japan, and Israel as outliers for comparison. </a:t>
-            </a:r>
-          </a:p>
-          <a:p>
-            <a:r>
-              <a:rPr lang="en-GB" dirty="0">
-                <a:solidFill>
-                  <a:schemeClr val="accent1">
-                    <a:lumMod val="50000"/>
-                  </a:schemeClr>
-                </a:solidFill>
-              </a:rPr>
-              <a:t>We attempted to screen for a contrast between Southern &amp; Northern Europe.</a:t>
-            </a:r>
-          </a:p>
-        </p:txBody>
-      </p:sp>
+              <a:t>Final</a:t>
+            </a:r>
+          </a:p>
+        </p:txBody>
+      </p:sp>
+      <p:pic>
+        <p:nvPicPr>
+          <p:cNvPr id="13" name="Picture 12">
+            <a:extLst>
+              <a:ext uri="{FF2B5EF4-FFF2-40B4-BE49-F238E27FC236}">
+                <a16:creationId xmlns:a16="http://schemas.microsoft.com/office/drawing/2014/main" id="{2D169C68-806E-AB46-44C0-565B7D677A38}"/>
+              </a:ext>
+            </a:extLst>
+          </p:cNvPr>
+          <p:cNvPicPr>
+            <a:picLocks noChangeAspect="1"/>
+          </p:cNvPicPr>
+          <p:nvPr/>
+        </p:nvPicPr>
+        <p:blipFill rotWithShape="1">
+          <a:blip r:embed="rId4"/>
+          <a:srcRect r="37051"/>
+          <a:stretch/>
+        </p:blipFill>
+        <p:spPr>
+          <a:xfrm>
+            <a:off x="5597398" y="2201546"/>
+            <a:ext cx="3773866" cy="3656084"/>
+          </a:xfrm>
+          <a:prstGeom prst="rect">
+            <a:avLst/>
+          </a:prstGeom>
+        </p:spPr>
+      </p:pic>
     </p:spTree>
     <p:extLst>
       <p:ext uri="{BB962C8B-B14F-4D97-AF65-F5344CB8AC3E}">
-        <p14:creationId xmlns:p14="http://schemas.microsoft.com/office/powerpoint/2010/main" val="152402000"/>
+        <p14:creationId xmlns:p14="http://schemas.microsoft.com/office/powerpoint/2010/main" val="2649076794"/>
       </p:ext>
     </p:extLst>
   </p:cSld>
@@ -6637,14 +8085,38 @@
         </p:spPr>
         <p:txBody>
           <a:bodyPr>
-            <a:normAutofit fontScale="90000"/>
+            <a:noAutofit/>
           </a:bodyPr>
           <a:lstStyle/>
           <a:p>
-            <a:r>
-              <a:rPr lang="en-PT" dirty="0"/>
-              <a:t>Project 1 - Game Hang Man</a:t>
-            </a:r>
+            <a:pPr algn="just"/>
+            <a:r>
+              <a:rPr lang="en-PT" sz="3200" dirty="0">
+                <a:solidFill>
+                  <a:schemeClr val="accent1">
+                    <a:lumMod val="50000"/>
+                  </a:schemeClr>
+                </a:solidFill>
+              </a:rPr>
+              <a:t>Project 2 - </a:t>
+            </a:r>
+            <a:r>
+              <a:rPr lang="en-GB" sz="3200" b="1" dirty="0">
+                <a:solidFill>
+                  <a:schemeClr val="accent1">
+                    <a:lumMod val="50000"/>
+                  </a:schemeClr>
+                </a:solidFill>
+              </a:rPr>
+              <a:t>Creating Database in MYSQL</a:t>
+            </a:r>
+            <a:endParaRPr lang="en-PT" sz="3200" dirty="0">
+              <a:solidFill>
+                <a:schemeClr val="accent1">
+                  <a:lumMod val="50000"/>
+                </a:schemeClr>
+              </a:solidFill>
+            </a:endParaRPr>
           </a:p>
         </p:txBody>
       </p:sp>
@@ -6684,10 +8156,10 @@
       </p:pic>
       <p:sp>
         <p:nvSpPr>
-          <p:cNvPr id="7" name="Title 1">
+          <p:cNvPr id="6" name="Title 1">
             <a:extLst>
               <a:ext uri="{FF2B5EF4-FFF2-40B4-BE49-F238E27FC236}">
-                <a16:creationId xmlns:a16="http://schemas.microsoft.com/office/drawing/2014/main" id="{42463987-47E0-040E-3AE3-52551354130E}"/>
+                <a16:creationId xmlns:a16="http://schemas.microsoft.com/office/drawing/2014/main" id="{FC15AF38-D0D0-8EFE-95B4-3F7B5E18BE9F}"/>
               </a:ext>
             </a:extLst>
           </p:cNvPr>
@@ -6782,61 +8254,54 @@
             </a:lvl9pPr>
           </a:lstStyle>
           <a:p>
-            <a:pPr algn="l"/>
-            <a:r>
-              <a:rPr lang="en-PT" sz="3600" dirty="0"/>
-              <a:t>Demo</a:t>
-            </a:r>
-          </a:p>
-        </p:txBody>
-      </p:sp>
-      <p:sp>
-        <p:nvSpPr>
-          <p:cNvPr id="8" name="TextBox 7">
+            <a:pPr algn="just"/>
+            <a:r>
+              <a:rPr lang="en-PT" sz="3600" dirty="0">
+                <a:solidFill>
+                  <a:schemeClr val="accent1">
+                    <a:lumMod val="50000"/>
+                  </a:schemeClr>
+                </a:solidFill>
+              </a:rPr>
+              <a:t>ER Model</a:t>
+            </a:r>
+          </a:p>
+        </p:txBody>
+      </p:sp>
+      <p:pic>
+        <p:nvPicPr>
+          <p:cNvPr id="7" name="Picture 6">
             <a:extLst>
               <a:ext uri="{FF2B5EF4-FFF2-40B4-BE49-F238E27FC236}">
-                <a16:creationId xmlns:a16="http://schemas.microsoft.com/office/drawing/2014/main" id="{11F315C2-B820-56C3-3D2E-9223553467F4}"/>
+                <a16:creationId xmlns:a16="http://schemas.microsoft.com/office/drawing/2014/main" id="{3A15827D-72FF-4637-AE89-7363F42ABA9D}"/>
               </a:ext>
             </a:extLst>
           </p:cNvPr>
-          <p:cNvSpPr txBox="1"/>
+          <p:cNvPicPr>
+            <a:picLocks noChangeAspect="1"/>
+          </p:cNvPicPr>
           <p:nvPr/>
-        </p:nvSpPr>
+        </p:nvPicPr>
+        <p:blipFill>
+          <a:blip r:embed="rId3"/>
+          <a:stretch>
+            <a:fillRect/>
+          </a:stretch>
+        </p:blipFill>
         <p:spPr>
           <a:xfrm>
-            <a:off x="1911960" y="2921168"/>
-            <a:ext cx="6834554" cy="1015663"/>
+            <a:off x="2243137" y="2008442"/>
+            <a:ext cx="6172200" cy="4394200"/>
           </a:xfrm>
           <a:prstGeom prst="rect">
             <a:avLst/>
           </a:prstGeom>
-          <a:noFill/>
         </p:spPr>
-        <p:txBody>
-          <a:bodyPr wrap="square" rtlCol="0">
-            <a:spAutoFit/>
-          </a:bodyPr>
-          <a:lstStyle/>
-          <a:p>
-            <a:pPr algn="ctr"/>
-            <a:r>
-              <a:rPr lang="en-PT" sz="6000" dirty="0">
-                <a:solidFill>
-                  <a:schemeClr val="accent1"/>
-                </a:solidFill>
-                <a:latin typeface="+mj-lt"/>
-                <a:ea typeface="+mj-ea"/>
-                <a:cs typeface="+mj-cs"/>
-              </a:rPr>
-              <a:t>Lets try the game</a:t>
-            </a:r>
-          </a:p>
-        </p:txBody>
-      </p:sp>
+      </p:pic>
     </p:spTree>
     <p:extLst>
       <p:ext uri="{BB962C8B-B14F-4D97-AF65-F5344CB8AC3E}">
-        <p14:creationId xmlns:p14="http://schemas.microsoft.com/office/powerpoint/2010/main" val="3724892159"/>
+        <p14:creationId xmlns:p14="http://schemas.microsoft.com/office/powerpoint/2010/main" val="2525812124"/>
       </p:ext>
     </p:extLst>
   </p:cSld>
@@ -6887,14 +8352,38 @@
         </p:spPr>
         <p:txBody>
           <a:bodyPr>
-            <a:normAutofit fontScale="90000"/>
+            <a:noAutofit/>
           </a:bodyPr>
           <a:lstStyle/>
           <a:p>
-            <a:r>
-              <a:rPr lang="en-PT" dirty="0"/>
-              <a:t>Project 1 - Game Hang Man</a:t>
-            </a:r>
+            <a:pPr algn="just"/>
+            <a:r>
+              <a:rPr lang="en-PT" sz="3200" dirty="0">
+                <a:solidFill>
+                  <a:schemeClr val="accent1">
+                    <a:lumMod val="50000"/>
+                  </a:schemeClr>
+                </a:solidFill>
+              </a:rPr>
+              <a:t>Project 2 - </a:t>
+            </a:r>
+            <a:r>
+              <a:rPr lang="en-GB" sz="3200" b="1" dirty="0">
+                <a:solidFill>
+                  <a:schemeClr val="accent1">
+                    <a:lumMod val="50000"/>
+                  </a:schemeClr>
+                </a:solidFill>
+              </a:rPr>
+              <a:t>Creating Database in MYSQL</a:t>
+            </a:r>
+            <a:endParaRPr lang="en-PT" sz="3200" dirty="0">
+              <a:solidFill>
+                <a:schemeClr val="accent1">
+                  <a:lumMod val="50000"/>
+                </a:schemeClr>
+              </a:solidFill>
+            </a:endParaRPr>
           </a:p>
         </p:txBody>
       </p:sp>
@@ -6934,6 +8423,1483 @@
       </p:pic>
       <p:sp>
         <p:nvSpPr>
+          <p:cNvPr id="6" name="Title 1">
+            <a:extLst>
+              <a:ext uri="{FF2B5EF4-FFF2-40B4-BE49-F238E27FC236}">
+                <a16:creationId xmlns:a16="http://schemas.microsoft.com/office/drawing/2014/main" id="{FC15AF38-D0D0-8EFE-95B4-3F7B5E18BE9F}"/>
+              </a:ext>
+            </a:extLst>
+          </p:cNvPr>
+          <p:cNvSpPr txBox="1">
+            <a:spLocks/>
+          </p:cNvSpPr>
+          <p:nvPr/>
+        </p:nvSpPr>
+        <p:spPr>
+          <a:xfrm>
+            <a:off x="831799" y="1367449"/>
+            <a:ext cx="4497438" cy="640993"/>
+          </a:xfrm>
+          <a:prstGeom prst="rect">
+            <a:avLst/>
+          </a:prstGeom>
+        </p:spPr>
+        <p:txBody>
+          <a:bodyPr vert="horz" lIns="91440" tIns="45720" rIns="91440" bIns="45720" rtlCol="0" anchor="b">
+            <a:normAutofit fontScale="75000" lnSpcReduction="20000"/>
+          </a:bodyPr>
+          <a:lstStyle>
+            <a:lvl1pPr algn="r" defTabSz="457200" rtl="0" eaLnBrk="1" latinLnBrk="0" hangingPunct="1">
+              <a:spcBef>
+                <a:spcPct val="0"/>
+              </a:spcBef>
+              <a:buNone/>
+              <a:defRPr sz="5400" kern="1200">
+                <a:solidFill>
+                  <a:schemeClr val="accent1"/>
+                </a:solidFill>
+                <a:latin typeface="+mj-lt"/>
+                <a:ea typeface="+mj-ea"/>
+                <a:cs typeface="+mj-cs"/>
+              </a:defRPr>
+            </a:lvl1pPr>
+            <a:lvl2pPr eaLnBrk="1" hangingPunct="1">
+              <a:defRPr>
+                <a:solidFill>
+                  <a:schemeClr val="tx2"/>
+                </a:solidFill>
+              </a:defRPr>
+            </a:lvl2pPr>
+            <a:lvl3pPr eaLnBrk="1" hangingPunct="1">
+              <a:defRPr>
+                <a:solidFill>
+                  <a:schemeClr val="tx2"/>
+                </a:solidFill>
+              </a:defRPr>
+            </a:lvl3pPr>
+            <a:lvl4pPr eaLnBrk="1" hangingPunct="1">
+              <a:defRPr>
+                <a:solidFill>
+                  <a:schemeClr val="tx2"/>
+                </a:solidFill>
+              </a:defRPr>
+            </a:lvl4pPr>
+            <a:lvl5pPr eaLnBrk="1" hangingPunct="1">
+              <a:defRPr>
+                <a:solidFill>
+                  <a:schemeClr val="tx2"/>
+                </a:solidFill>
+              </a:defRPr>
+            </a:lvl5pPr>
+            <a:lvl6pPr eaLnBrk="1" hangingPunct="1">
+              <a:defRPr>
+                <a:solidFill>
+                  <a:schemeClr val="tx2"/>
+                </a:solidFill>
+              </a:defRPr>
+            </a:lvl6pPr>
+            <a:lvl7pPr eaLnBrk="1" hangingPunct="1">
+              <a:defRPr>
+                <a:solidFill>
+                  <a:schemeClr val="tx2"/>
+                </a:solidFill>
+              </a:defRPr>
+            </a:lvl7pPr>
+            <a:lvl8pPr eaLnBrk="1" hangingPunct="1">
+              <a:defRPr>
+                <a:solidFill>
+                  <a:schemeClr val="tx2"/>
+                </a:solidFill>
+              </a:defRPr>
+            </a:lvl8pPr>
+            <a:lvl9pPr eaLnBrk="1" hangingPunct="1">
+              <a:defRPr>
+                <a:solidFill>
+                  <a:schemeClr val="tx2"/>
+                </a:solidFill>
+              </a:defRPr>
+            </a:lvl9pPr>
+          </a:lstStyle>
+          <a:p>
+            <a:pPr algn="just"/>
+            <a:r>
+              <a:rPr lang="en-PT" sz="3600" dirty="0">
+                <a:solidFill>
+                  <a:schemeClr val="accent1">
+                    <a:lumMod val="50000"/>
+                  </a:schemeClr>
+                </a:solidFill>
+              </a:rPr>
+              <a:t>Descripton of the Database</a:t>
+            </a:r>
+          </a:p>
+        </p:txBody>
+      </p:sp>
+      <p:sp>
+        <p:nvSpPr>
+          <p:cNvPr id="7" name="TextBox 6">
+            <a:extLst>
+              <a:ext uri="{FF2B5EF4-FFF2-40B4-BE49-F238E27FC236}">
+                <a16:creationId xmlns:a16="http://schemas.microsoft.com/office/drawing/2014/main" id="{91CEC082-F482-91B6-E757-D849C0225358}"/>
+              </a:ext>
+            </a:extLst>
+          </p:cNvPr>
+          <p:cNvSpPr txBox="1"/>
+          <p:nvPr/>
+        </p:nvSpPr>
+        <p:spPr>
+          <a:xfrm>
+            <a:off x="988963" y="2183934"/>
+            <a:ext cx="8512225" cy="3970318"/>
+          </a:xfrm>
+          <a:prstGeom prst="rect">
+            <a:avLst/>
+          </a:prstGeom>
+          <a:noFill/>
+        </p:spPr>
+        <p:txBody>
+          <a:bodyPr wrap="square" rtlCol="0">
+            <a:spAutoFit/>
+          </a:bodyPr>
+          <a:lstStyle/>
+          <a:p>
+            <a:r>
+              <a:rPr lang="en-GB" dirty="0">
+                <a:solidFill>
+                  <a:schemeClr val="accent1">
+                    <a:lumMod val="50000"/>
+                  </a:schemeClr>
+                </a:solidFill>
+              </a:rPr>
+              <a:t>We created a composite indicator from R&amp;D and economic statistics.</a:t>
+            </a:r>
+          </a:p>
+          <a:p>
+            <a:endParaRPr lang="en-GB" dirty="0">
+              <a:solidFill>
+                <a:schemeClr val="accent1">
+                  <a:lumMod val="50000"/>
+                </a:schemeClr>
+              </a:solidFill>
+            </a:endParaRPr>
+          </a:p>
+          <a:p>
+            <a:r>
+              <a:rPr lang="en-GB" dirty="0">
+                <a:solidFill>
+                  <a:schemeClr val="accent1">
+                    <a:lumMod val="50000"/>
+                  </a:schemeClr>
+                </a:solidFill>
+              </a:rPr>
+              <a:t>The data was scraped from the World Bank database via an API wrapper.</a:t>
+            </a:r>
+          </a:p>
+          <a:p>
+            <a:endParaRPr lang="en-GB" dirty="0">
+              <a:solidFill>
+                <a:schemeClr val="accent1">
+                  <a:lumMod val="50000"/>
+                </a:schemeClr>
+              </a:solidFill>
+            </a:endParaRPr>
+          </a:p>
+          <a:p>
+            <a:r>
+              <a:rPr lang="en-GB" dirty="0">
+                <a:solidFill>
+                  <a:schemeClr val="accent1">
+                    <a:lumMod val="50000"/>
+                  </a:schemeClr>
+                </a:solidFill>
+              </a:rPr>
+              <a:t>Our composite indicator was made using the following:</a:t>
+            </a:r>
+          </a:p>
+          <a:p>
+            <a:pPr marL="285750" indent="-285750">
+              <a:buFont typeface="Arial" panose="020B0604020202020204" pitchFamily="34" charset="0"/>
+              <a:buChar char="•"/>
+            </a:pPr>
+            <a:r>
+              <a:rPr lang="en-GB" dirty="0">
+                <a:solidFill>
+                  <a:schemeClr val="accent1">
+                    <a:lumMod val="50000"/>
+                  </a:schemeClr>
+                </a:solidFill>
+              </a:rPr>
+              <a:t>Research and development expenditure (% of GDP)</a:t>
+            </a:r>
+          </a:p>
+          <a:p>
+            <a:pPr marL="285750" indent="-285750">
+              <a:buFont typeface="Arial" panose="020B0604020202020204" pitchFamily="34" charset="0"/>
+              <a:buChar char="•"/>
+            </a:pPr>
+            <a:r>
+              <a:rPr lang="en-GB" dirty="0">
+                <a:solidFill>
+                  <a:schemeClr val="accent1">
+                    <a:lumMod val="50000"/>
+                  </a:schemeClr>
+                </a:solidFill>
+              </a:rPr>
+              <a:t>High-technology exports (% of manufactured exports)</a:t>
+            </a:r>
+          </a:p>
+          <a:p>
+            <a:pPr marL="285750" indent="-285750">
+              <a:buFont typeface="Arial" panose="020B0604020202020204" pitchFamily="34" charset="0"/>
+              <a:buChar char="•"/>
+            </a:pPr>
+            <a:r>
+              <a:rPr lang="en-GB" dirty="0">
+                <a:solidFill>
+                  <a:schemeClr val="accent1">
+                    <a:lumMod val="50000"/>
+                  </a:schemeClr>
+                </a:solidFill>
+              </a:rPr>
+              <a:t>Scientific and technical journal articles</a:t>
+            </a:r>
+          </a:p>
+          <a:p>
+            <a:pPr marL="285750" indent="-285750">
+              <a:buFont typeface="Arial" panose="020B0604020202020204" pitchFamily="34" charset="0"/>
+              <a:buChar char="•"/>
+            </a:pPr>
+            <a:r>
+              <a:rPr lang="en-GB" dirty="0">
+                <a:solidFill>
+                  <a:schemeClr val="accent1">
+                    <a:lumMod val="50000"/>
+                  </a:schemeClr>
+                </a:solidFill>
+              </a:rPr>
+              <a:t>Patent applications, residents</a:t>
+            </a:r>
+          </a:p>
+          <a:p>
+            <a:pPr marL="285750" indent="-285750">
+              <a:buFont typeface="Arial" panose="020B0604020202020204" pitchFamily="34" charset="0"/>
+              <a:buChar char="•"/>
+            </a:pPr>
+            <a:r>
+              <a:rPr lang="en-GB" dirty="0">
+                <a:solidFill>
+                  <a:schemeClr val="accent1">
+                    <a:lumMod val="50000"/>
+                  </a:schemeClr>
+                </a:solidFill>
+              </a:rPr>
+              <a:t>Patent applications, non-residents</a:t>
+            </a:r>
+          </a:p>
+          <a:p>
+            <a:endParaRPr lang="en-GB" dirty="0">
+              <a:solidFill>
+                <a:schemeClr val="accent1">
+                  <a:lumMod val="50000"/>
+                </a:schemeClr>
+              </a:solidFill>
+            </a:endParaRPr>
+          </a:p>
+          <a:p>
+            <a:r>
+              <a:rPr lang="en-GB" dirty="0">
+                <a:solidFill>
+                  <a:schemeClr val="accent1">
+                    <a:lumMod val="50000"/>
+                  </a:schemeClr>
+                </a:solidFill>
+              </a:rPr>
+              <a:t>The 10 countries selected are European with the addition of the US, Japan, and Israel as outliers for comparison. </a:t>
+            </a:r>
+          </a:p>
+          <a:p>
+            <a:r>
+              <a:rPr lang="en-GB" dirty="0">
+                <a:solidFill>
+                  <a:schemeClr val="accent1">
+                    <a:lumMod val="50000"/>
+                  </a:schemeClr>
+                </a:solidFill>
+              </a:rPr>
+              <a:t>We attempted to screen for a contrast between Southern &amp; Northern Europe.</a:t>
+            </a:r>
+          </a:p>
+        </p:txBody>
+      </p:sp>
+    </p:spTree>
+    <p:extLst>
+      <p:ext uri="{BB962C8B-B14F-4D97-AF65-F5344CB8AC3E}">
+        <p14:creationId xmlns:p14="http://schemas.microsoft.com/office/powerpoint/2010/main" val="152402000"/>
+      </p:ext>
+    </p:extLst>
+  </p:cSld>
+  <p:clrMapOvr>
+    <a:masterClrMapping/>
+  </p:clrMapOvr>
+</p:sld>
+</file>
+
+<file path=ppt/slides/slide5.xml><?xml version="1.0" encoding="utf-8"?>
+<p:sld xmlns:a="http://schemas.openxmlformats.org/drawingml/2006/main" xmlns:r="http://schemas.openxmlformats.org/officeDocument/2006/relationships" xmlns:p="http://schemas.openxmlformats.org/presentationml/2006/main">
+  <p:cSld>
+    <p:spTree>
+      <p:nvGrpSpPr>
+        <p:cNvPr id="1" name=""/>
+        <p:cNvGrpSpPr/>
+        <p:nvPr/>
+      </p:nvGrpSpPr>
+      <p:grpSpPr>
+        <a:xfrm>
+          <a:off x="0" y="0"/>
+          <a:ext cx="0" cy="0"/>
+          <a:chOff x="0" y="0"/>
+          <a:chExt cx="0" cy="0"/>
+        </a:xfrm>
+      </p:grpSpPr>
+      <p:sp>
+        <p:nvSpPr>
+          <p:cNvPr id="2" name="Title 1">
+            <a:extLst>
+              <a:ext uri="{FF2B5EF4-FFF2-40B4-BE49-F238E27FC236}">
+                <a16:creationId xmlns:a16="http://schemas.microsoft.com/office/drawing/2014/main" id="{3BEF93F7-D45B-68F7-4E28-0844B627DDA5}"/>
+              </a:ext>
+            </a:extLst>
+          </p:cNvPr>
+          <p:cNvSpPr>
+            <a:spLocks noGrp="1"/>
+          </p:cNvSpPr>
+          <p:nvPr>
+            <p:ph type="ctrTitle"/>
+          </p:nvPr>
+        </p:nvSpPr>
+        <p:spPr>
+          <a:xfrm>
+            <a:off x="1663599" y="344843"/>
+            <a:ext cx="7837589" cy="847114"/>
+          </a:xfrm>
+        </p:spPr>
+        <p:txBody>
+          <a:bodyPr>
+            <a:noAutofit/>
+          </a:bodyPr>
+          <a:lstStyle/>
+          <a:p>
+            <a:pPr algn="just"/>
+            <a:r>
+              <a:rPr lang="en-PT" sz="3200" dirty="0">
+                <a:solidFill>
+                  <a:schemeClr val="accent1">
+                    <a:lumMod val="50000"/>
+                  </a:schemeClr>
+                </a:solidFill>
+              </a:rPr>
+              <a:t>Project 2 - </a:t>
+            </a:r>
+            <a:r>
+              <a:rPr lang="en-GB" sz="3200" b="1" dirty="0">
+                <a:solidFill>
+                  <a:schemeClr val="accent1">
+                    <a:lumMod val="50000"/>
+                  </a:schemeClr>
+                </a:solidFill>
+              </a:rPr>
+              <a:t>Creating Database in MYSQL</a:t>
+            </a:r>
+            <a:endParaRPr lang="en-PT" sz="3200" dirty="0">
+              <a:solidFill>
+                <a:schemeClr val="accent1">
+                  <a:lumMod val="50000"/>
+                </a:schemeClr>
+              </a:solidFill>
+            </a:endParaRPr>
+          </a:p>
+        </p:txBody>
+      </p:sp>
+      <p:pic>
+        <p:nvPicPr>
+          <p:cNvPr id="4" name="Google Shape;109;p27">
+            <a:extLst>
+              <a:ext uri="{FF2B5EF4-FFF2-40B4-BE49-F238E27FC236}">
+                <a16:creationId xmlns:a16="http://schemas.microsoft.com/office/drawing/2014/main" id="{EA4D6600-5010-A9D9-EEA2-2672B776C650}"/>
+              </a:ext>
+            </a:extLst>
+          </p:cNvPr>
+          <p:cNvPicPr preferRelativeResize="0"/>
+          <p:nvPr/>
+        </p:nvPicPr>
+        <p:blipFill>
+          <a:blip r:embed="rId3">
+            <a:alphaModFix/>
+          </a:blip>
+          <a:stretch>
+            <a:fillRect/>
+          </a:stretch>
+        </p:blipFill>
+        <p:spPr>
+          <a:xfrm>
+            <a:off x="0" y="-63399"/>
+            <a:ext cx="1663599" cy="1663599"/>
+          </a:xfrm>
+          <a:prstGeom prst="rect">
+            <a:avLst/>
+          </a:prstGeom>
+          <a:noFill/>
+          <a:ln>
+            <a:noFill/>
+          </a:ln>
+        </p:spPr>
+      </p:pic>
+      <p:sp>
+        <p:nvSpPr>
+          <p:cNvPr id="6" name="Title 1">
+            <a:extLst>
+              <a:ext uri="{FF2B5EF4-FFF2-40B4-BE49-F238E27FC236}">
+                <a16:creationId xmlns:a16="http://schemas.microsoft.com/office/drawing/2014/main" id="{FC15AF38-D0D0-8EFE-95B4-3F7B5E18BE9F}"/>
+              </a:ext>
+            </a:extLst>
+          </p:cNvPr>
+          <p:cNvSpPr txBox="1">
+            <a:spLocks/>
+          </p:cNvSpPr>
+          <p:nvPr/>
+        </p:nvSpPr>
+        <p:spPr>
+          <a:xfrm>
+            <a:off x="831798" y="1367449"/>
+            <a:ext cx="5492801" cy="640993"/>
+          </a:xfrm>
+          <a:prstGeom prst="rect">
+            <a:avLst/>
+          </a:prstGeom>
+        </p:spPr>
+        <p:txBody>
+          <a:bodyPr vert="horz" lIns="91440" tIns="45720" rIns="91440" bIns="45720" rtlCol="0" anchor="b">
+            <a:normAutofit fontScale="97500"/>
+          </a:bodyPr>
+          <a:lstStyle>
+            <a:lvl1pPr algn="r" defTabSz="457200" rtl="0" eaLnBrk="1" latinLnBrk="0" hangingPunct="1">
+              <a:spcBef>
+                <a:spcPct val="0"/>
+              </a:spcBef>
+              <a:buNone/>
+              <a:defRPr sz="5400" kern="1200">
+                <a:solidFill>
+                  <a:schemeClr val="accent1"/>
+                </a:solidFill>
+                <a:latin typeface="+mj-lt"/>
+                <a:ea typeface="+mj-ea"/>
+                <a:cs typeface="+mj-cs"/>
+              </a:defRPr>
+            </a:lvl1pPr>
+            <a:lvl2pPr eaLnBrk="1" hangingPunct="1">
+              <a:defRPr>
+                <a:solidFill>
+                  <a:schemeClr val="tx2"/>
+                </a:solidFill>
+              </a:defRPr>
+            </a:lvl2pPr>
+            <a:lvl3pPr eaLnBrk="1" hangingPunct="1">
+              <a:defRPr>
+                <a:solidFill>
+                  <a:schemeClr val="tx2"/>
+                </a:solidFill>
+              </a:defRPr>
+            </a:lvl3pPr>
+            <a:lvl4pPr eaLnBrk="1" hangingPunct="1">
+              <a:defRPr>
+                <a:solidFill>
+                  <a:schemeClr val="tx2"/>
+                </a:solidFill>
+              </a:defRPr>
+            </a:lvl4pPr>
+            <a:lvl5pPr eaLnBrk="1" hangingPunct="1">
+              <a:defRPr>
+                <a:solidFill>
+                  <a:schemeClr val="tx2"/>
+                </a:solidFill>
+              </a:defRPr>
+            </a:lvl5pPr>
+            <a:lvl6pPr eaLnBrk="1" hangingPunct="1">
+              <a:defRPr>
+                <a:solidFill>
+                  <a:schemeClr val="tx2"/>
+                </a:solidFill>
+              </a:defRPr>
+            </a:lvl6pPr>
+            <a:lvl7pPr eaLnBrk="1" hangingPunct="1">
+              <a:defRPr>
+                <a:solidFill>
+                  <a:schemeClr val="tx2"/>
+                </a:solidFill>
+              </a:defRPr>
+            </a:lvl7pPr>
+            <a:lvl8pPr eaLnBrk="1" hangingPunct="1">
+              <a:defRPr>
+                <a:solidFill>
+                  <a:schemeClr val="tx2"/>
+                </a:solidFill>
+              </a:defRPr>
+            </a:lvl8pPr>
+            <a:lvl9pPr eaLnBrk="1" hangingPunct="1">
+              <a:defRPr>
+                <a:solidFill>
+                  <a:schemeClr val="tx2"/>
+                </a:solidFill>
+              </a:defRPr>
+            </a:lvl9pPr>
+          </a:lstStyle>
+          <a:p>
+            <a:pPr algn="just"/>
+            <a:r>
+              <a:rPr lang="en-PT" sz="3600" dirty="0">
+                <a:solidFill>
+                  <a:schemeClr val="accent1">
+                    <a:lumMod val="50000"/>
+                  </a:schemeClr>
+                </a:solidFill>
+              </a:rPr>
+              <a:t>SQL – Script - Queries</a:t>
+            </a:r>
+          </a:p>
+        </p:txBody>
+      </p:sp>
+      <p:sp>
+        <p:nvSpPr>
+          <p:cNvPr id="7" name="TextBox 6">
+            <a:extLst>
+              <a:ext uri="{FF2B5EF4-FFF2-40B4-BE49-F238E27FC236}">
+                <a16:creationId xmlns:a16="http://schemas.microsoft.com/office/drawing/2014/main" id="{91CEC082-F482-91B6-E757-D849C0225358}"/>
+              </a:ext>
+            </a:extLst>
+          </p:cNvPr>
+          <p:cNvSpPr txBox="1"/>
+          <p:nvPr/>
+        </p:nvSpPr>
+        <p:spPr>
+          <a:xfrm>
+            <a:off x="988963" y="2183934"/>
+            <a:ext cx="8512225" cy="3693319"/>
+          </a:xfrm>
+          <a:prstGeom prst="rect">
+            <a:avLst/>
+          </a:prstGeom>
+          <a:noFill/>
+        </p:spPr>
+        <p:txBody>
+          <a:bodyPr wrap="square" rtlCol="0">
+            <a:spAutoFit/>
+          </a:bodyPr>
+          <a:lstStyle/>
+          <a:p>
+            <a:pPr marL="285750" indent="-285750">
+              <a:buFont typeface="Arial" panose="020B0604020202020204" pitchFamily="34" charset="0"/>
+              <a:buChar char="•"/>
+            </a:pPr>
+            <a:r>
+              <a:rPr lang="en-GB" dirty="0">
+                <a:solidFill>
+                  <a:schemeClr val="accent1">
+                    <a:lumMod val="50000"/>
+                  </a:schemeClr>
+                </a:solidFill>
+              </a:rPr>
+              <a:t>Creation of database</a:t>
+            </a:r>
+          </a:p>
+          <a:p>
+            <a:endParaRPr lang="en-GB" dirty="0">
+              <a:solidFill>
+                <a:schemeClr val="accent1">
+                  <a:lumMod val="50000"/>
+                </a:schemeClr>
+              </a:solidFill>
+            </a:endParaRPr>
+          </a:p>
+          <a:p>
+            <a:pPr marL="285750" indent="-285750">
+              <a:buFont typeface="Arial" panose="020B0604020202020204" pitchFamily="34" charset="0"/>
+              <a:buChar char="•"/>
+            </a:pPr>
+            <a:r>
+              <a:rPr lang="en-GB" dirty="0">
+                <a:solidFill>
+                  <a:schemeClr val="accent1">
+                    <a:lumMod val="50000"/>
+                  </a:schemeClr>
+                </a:solidFill>
+              </a:rPr>
+              <a:t>Creation of tables of database</a:t>
+            </a:r>
+          </a:p>
+          <a:p>
+            <a:endParaRPr lang="en-GB" dirty="0">
+              <a:solidFill>
+                <a:schemeClr val="accent1">
+                  <a:lumMod val="50000"/>
+                </a:schemeClr>
+              </a:solidFill>
+            </a:endParaRPr>
+          </a:p>
+          <a:p>
+            <a:pPr marL="285750" indent="-285750">
+              <a:buFont typeface="Arial" panose="020B0604020202020204" pitchFamily="34" charset="0"/>
+              <a:buChar char="•"/>
+            </a:pPr>
+            <a:r>
+              <a:rPr lang="en-GB" dirty="0">
+                <a:solidFill>
+                  <a:schemeClr val="accent1">
+                    <a:lumMod val="50000"/>
+                  </a:schemeClr>
+                </a:solidFill>
+              </a:rPr>
+              <a:t>Import of data obtain via an API wrapper</a:t>
+            </a:r>
+          </a:p>
+          <a:p>
+            <a:endParaRPr lang="en-GB" dirty="0">
+              <a:solidFill>
+                <a:schemeClr val="accent1">
+                  <a:lumMod val="50000"/>
+                </a:schemeClr>
+              </a:solidFill>
+            </a:endParaRPr>
+          </a:p>
+          <a:p>
+            <a:pPr marL="285750" indent="-285750">
+              <a:buFont typeface="Arial" panose="020B0604020202020204" pitchFamily="34" charset="0"/>
+              <a:buChar char="•"/>
+            </a:pPr>
+            <a:r>
+              <a:rPr lang="en-GB" dirty="0">
+                <a:solidFill>
+                  <a:schemeClr val="accent1">
+                    <a:lumMod val="50000"/>
+                  </a:schemeClr>
+                </a:solidFill>
+              </a:rPr>
+              <a:t>Combined data of Patent Applications</a:t>
+            </a:r>
+          </a:p>
+          <a:p>
+            <a:pPr marL="285750" indent="-285750">
+              <a:buFont typeface="Arial" panose="020B0604020202020204" pitchFamily="34" charset="0"/>
+              <a:buChar char="•"/>
+            </a:pPr>
+            <a:endParaRPr lang="en-GB" dirty="0">
+              <a:solidFill>
+                <a:schemeClr val="accent1">
+                  <a:lumMod val="50000"/>
+                </a:schemeClr>
+              </a:solidFill>
+            </a:endParaRPr>
+          </a:p>
+          <a:p>
+            <a:pPr marL="285750" indent="-285750">
+              <a:buFont typeface="Arial" panose="020B0604020202020204" pitchFamily="34" charset="0"/>
+              <a:buChar char="•"/>
+            </a:pPr>
+            <a:r>
+              <a:rPr lang="en-GB" dirty="0">
+                <a:solidFill>
+                  <a:schemeClr val="accent1">
+                    <a:lumMod val="50000"/>
+                  </a:schemeClr>
+                </a:solidFill>
+              </a:rPr>
+              <a:t>Normalize Data</a:t>
+            </a:r>
+          </a:p>
+          <a:p>
+            <a:pPr marL="285750" indent="-285750">
+              <a:buFont typeface="Arial" panose="020B0604020202020204" pitchFamily="34" charset="0"/>
+              <a:buChar char="•"/>
+            </a:pPr>
+            <a:endParaRPr lang="en-GB" dirty="0">
+              <a:solidFill>
+                <a:schemeClr val="accent1">
+                  <a:lumMod val="50000"/>
+                </a:schemeClr>
+              </a:solidFill>
+            </a:endParaRPr>
+          </a:p>
+          <a:p>
+            <a:pPr marL="285750" indent="-285750">
+              <a:buFont typeface="Arial" panose="020B0604020202020204" pitchFamily="34" charset="0"/>
+              <a:buChar char="•"/>
+            </a:pPr>
+            <a:r>
+              <a:rPr lang="en-GB" dirty="0">
+                <a:solidFill>
+                  <a:schemeClr val="accent1">
+                    <a:lumMod val="50000"/>
+                  </a:schemeClr>
+                </a:solidFill>
+              </a:rPr>
+              <a:t>Application Indicator Formula for technology in the year 2014, for the countries in study</a:t>
+            </a:r>
+          </a:p>
+          <a:p>
+            <a:pPr marL="285750" indent="-285750">
+              <a:buFont typeface="Arial" panose="020B0604020202020204" pitchFamily="34" charset="0"/>
+              <a:buChar char="•"/>
+            </a:pPr>
+            <a:endParaRPr lang="en-GB" dirty="0">
+              <a:solidFill>
+                <a:schemeClr val="accent1">
+                  <a:lumMod val="50000"/>
+                </a:schemeClr>
+              </a:solidFill>
+            </a:endParaRPr>
+          </a:p>
+        </p:txBody>
+      </p:sp>
+    </p:spTree>
+    <p:extLst>
+      <p:ext uri="{BB962C8B-B14F-4D97-AF65-F5344CB8AC3E}">
+        <p14:creationId xmlns:p14="http://schemas.microsoft.com/office/powerpoint/2010/main" val="3858199085"/>
+      </p:ext>
+    </p:extLst>
+  </p:cSld>
+  <p:clrMapOvr>
+    <a:masterClrMapping/>
+  </p:clrMapOvr>
+</p:sld>
+</file>
+
+<file path=ppt/slides/slide6.xml><?xml version="1.0" encoding="utf-8"?>
+<p:sld xmlns:a="http://schemas.openxmlformats.org/drawingml/2006/main" xmlns:r="http://schemas.openxmlformats.org/officeDocument/2006/relationships" xmlns:p="http://schemas.openxmlformats.org/presentationml/2006/main">
+  <p:cSld>
+    <p:spTree>
+      <p:nvGrpSpPr>
+        <p:cNvPr id="1" name=""/>
+        <p:cNvGrpSpPr/>
+        <p:nvPr/>
+      </p:nvGrpSpPr>
+      <p:grpSpPr>
+        <a:xfrm>
+          <a:off x="0" y="0"/>
+          <a:ext cx="0" cy="0"/>
+          <a:chOff x="0" y="0"/>
+          <a:chExt cx="0" cy="0"/>
+        </a:xfrm>
+      </p:grpSpPr>
+      <p:sp>
+        <p:nvSpPr>
+          <p:cNvPr id="2" name="Title 1">
+            <a:extLst>
+              <a:ext uri="{FF2B5EF4-FFF2-40B4-BE49-F238E27FC236}">
+                <a16:creationId xmlns:a16="http://schemas.microsoft.com/office/drawing/2014/main" id="{3BEF93F7-D45B-68F7-4E28-0844B627DDA5}"/>
+              </a:ext>
+            </a:extLst>
+          </p:cNvPr>
+          <p:cNvSpPr>
+            <a:spLocks noGrp="1"/>
+          </p:cNvSpPr>
+          <p:nvPr>
+            <p:ph type="ctrTitle"/>
+          </p:nvPr>
+        </p:nvSpPr>
+        <p:spPr>
+          <a:xfrm>
+            <a:off x="1663599" y="344843"/>
+            <a:ext cx="7837589" cy="847114"/>
+          </a:xfrm>
+        </p:spPr>
+        <p:txBody>
+          <a:bodyPr>
+            <a:noAutofit/>
+          </a:bodyPr>
+          <a:lstStyle/>
+          <a:p>
+            <a:pPr algn="just"/>
+            <a:r>
+              <a:rPr lang="en-PT" sz="3200" dirty="0">
+                <a:solidFill>
+                  <a:schemeClr val="accent1">
+                    <a:lumMod val="50000"/>
+                  </a:schemeClr>
+                </a:solidFill>
+              </a:rPr>
+              <a:t>Project 2 - </a:t>
+            </a:r>
+            <a:r>
+              <a:rPr lang="en-GB" sz="3200" b="1" dirty="0">
+                <a:solidFill>
+                  <a:schemeClr val="accent1">
+                    <a:lumMod val="50000"/>
+                  </a:schemeClr>
+                </a:solidFill>
+              </a:rPr>
+              <a:t>Creating Database in MYSQL</a:t>
+            </a:r>
+            <a:endParaRPr lang="en-PT" sz="3200" dirty="0">
+              <a:solidFill>
+                <a:schemeClr val="accent1">
+                  <a:lumMod val="50000"/>
+                </a:schemeClr>
+              </a:solidFill>
+            </a:endParaRPr>
+          </a:p>
+        </p:txBody>
+      </p:sp>
+      <p:pic>
+        <p:nvPicPr>
+          <p:cNvPr id="4" name="Google Shape;109;p27">
+            <a:extLst>
+              <a:ext uri="{FF2B5EF4-FFF2-40B4-BE49-F238E27FC236}">
+                <a16:creationId xmlns:a16="http://schemas.microsoft.com/office/drawing/2014/main" id="{EA4D6600-5010-A9D9-EEA2-2672B776C650}"/>
+              </a:ext>
+            </a:extLst>
+          </p:cNvPr>
+          <p:cNvPicPr preferRelativeResize="0"/>
+          <p:nvPr/>
+        </p:nvPicPr>
+        <p:blipFill>
+          <a:blip r:embed="rId3">
+            <a:alphaModFix/>
+          </a:blip>
+          <a:stretch>
+            <a:fillRect/>
+          </a:stretch>
+        </p:blipFill>
+        <p:spPr>
+          <a:xfrm>
+            <a:off x="0" y="-63399"/>
+            <a:ext cx="1663599" cy="1663599"/>
+          </a:xfrm>
+          <a:prstGeom prst="rect">
+            <a:avLst/>
+          </a:prstGeom>
+          <a:noFill/>
+          <a:ln>
+            <a:noFill/>
+          </a:ln>
+        </p:spPr>
+      </p:pic>
+      <p:sp>
+        <p:nvSpPr>
+          <p:cNvPr id="6" name="Title 1">
+            <a:extLst>
+              <a:ext uri="{FF2B5EF4-FFF2-40B4-BE49-F238E27FC236}">
+                <a16:creationId xmlns:a16="http://schemas.microsoft.com/office/drawing/2014/main" id="{FC15AF38-D0D0-8EFE-95B4-3F7B5E18BE9F}"/>
+              </a:ext>
+            </a:extLst>
+          </p:cNvPr>
+          <p:cNvSpPr txBox="1">
+            <a:spLocks/>
+          </p:cNvSpPr>
+          <p:nvPr/>
+        </p:nvSpPr>
+        <p:spPr>
+          <a:xfrm>
+            <a:off x="831798" y="1367449"/>
+            <a:ext cx="5492801" cy="640993"/>
+          </a:xfrm>
+          <a:prstGeom prst="rect">
+            <a:avLst/>
+          </a:prstGeom>
+        </p:spPr>
+        <p:txBody>
+          <a:bodyPr vert="horz" lIns="91440" tIns="45720" rIns="91440" bIns="45720" rtlCol="0" anchor="b">
+            <a:normAutofit fontScale="97500"/>
+          </a:bodyPr>
+          <a:lstStyle>
+            <a:lvl1pPr algn="r" defTabSz="457200" rtl="0" eaLnBrk="1" latinLnBrk="0" hangingPunct="1">
+              <a:spcBef>
+                <a:spcPct val="0"/>
+              </a:spcBef>
+              <a:buNone/>
+              <a:defRPr sz="5400" kern="1200">
+                <a:solidFill>
+                  <a:schemeClr val="accent1"/>
+                </a:solidFill>
+                <a:latin typeface="+mj-lt"/>
+                <a:ea typeface="+mj-ea"/>
+                <a:cs typeface="+mj-cs"/>
+              </a:defRPr>
+            </a:lvl1pPr>
+            <a:lvl2pPr eaLnBrk="1" hangingPunct="1">
+              <a:defRPr>
+                <a:solidFill>
+                  <a:schemeClr val="tx2"/>
+                </a:solidFill>
+              </a:defRPr>
+            </a:lvl2pPr>
+            <a:lvl3pPr eaLnBrk="1" hangingPunct="1">
+              <a:defRPr>
+                <a:solidFill>
+                  <a:schemeClr val="tx2"/>
+                </a:solidFill>
+              </a:defRPr>
+            </a:lvl3pPr>
+            <a:lvl4pPr eaLnBrk="1" hangingPunct="1">
+              <a:defRPr>
+                <a:solidFill>
+                  <a:schemeClr val="tx2"/>
+                </a:solidFill>
+              </a:defRPr>
+            </a:lvl4pPr>
+            <a:lvl5pPr eaLnBrk="1" hangingPunct="1">
+              <a:defRPr>
+                <a:solidFill>
+                  <a:schemeClr val="tx2"/>
+                </a:solidFill>
+              </a:defRPr>
+            </a:lvl5pPr>
+            <a:lvl6pPr eaLnBrk="1" hangingPunct="1">
+              <a:defRPr>
+                <a:solidFill>
+                  <a:schemeClr val="tx2"/>
+                </a:solidFill>
+              </a:defRPr>
+            </a:lvl6pPr>
+            <a:lvl7pPr eaLnBrk="1" hangingPunct="1">
+              <a:defRPr>
+                <a:solidFill>
+                  <a:schemeClr val="tx2"/>
+                </a:solidFill>
+              </a:defRPr>
+            </a:lvl7pPr>
+            <a:lvl8pPr eaLnBrk="1" hangingPunct="1">
+              <a:defRPr>
+                <a:solidFill>
+                  <a:schemeClr val="tx2"/>
+                </a:solidFill>
+              </a:defRPr>
+            </a:lvl8pPr>
+            <a:lvl9pPr eaLnBrk="1" hangingPunct="1">
+              <a:defRPr>
+                <a:solidFill>
+                  <a:schemeClr val="tx2"/>
+                </a:solidFill>
+              </a:defRPr>
+            </a:lvl9pPr>
+          </a:lstStyle>
+          <a:p>
+            <a:pPr algn="just"/>
+            <a:r>
+              <a:rPr lang="en-PT" sz="3600" dirty="0">
+                <a:solidFill>
+                  <a:schemeClr val="accent1">
+                    <a:lumMod val="50000"/>
+                  </a:schemeClr>
+                </a:solidFill>
+              </a:rPr>
+              <a:t>Result</a:t>
+            </a:r>
+          </a:p>
+        </p:txBody>
+      </p:sp>
+      <p:sp>
+        <p:nvSpPr>
+          <p:cNvPr id="7" name="TextBox 6">
+            <a:extLst>
+              <a:ext uri="{FF2B5EF4-FFF2-40B4-BE49-F238E27FC236}">
+                <a16:creationId xmlns:a16="http://schemas.microsoft.com/office/drawing/2014/main" id="{91CEC082-F482-91B6-E757-D849C0225358}"/>
+              </a:ext>
+            </a:extLst>
+          </p:cNvPr>
+          <p:cNvSpPr txBox="1"/>
+          <p:nvPr/>
+        </p:nvSpPr>
+        <p:spPr>
+          <a:xfrm>
+            <a:off x="567267" y="2183935"/>
+            <a:ext cx="9279466" cy="369332"/>
+          </a:xfrm>
+          <a:prstGeom prst="rect">
+            <a:avLst/>
+          </a:prstGeom>
+          <a:noFill/>
+        </p:spPr>
+        <p:txBody>
+          <a:bodyPr wrap="square" rtlCol="0">
+            <a:spAutoFit/>
+          </a:bodyPr>
+          <a:lstStyle/>
+          <a:p>
+            <a:pPr marL="285750" indent="-285750">
+              <a:buFont typeface="Arial" panose="020B0604020202020204" pitchFamily="34" charset="0"/>
+              <a:buChar char="•"/>
+            </a:pPr>
+            <a:r>
+              <a:rPr lang="en-GB" dirty="0">
+                <a:solidFill>
+                  <a:schemeClr val="accent1">
+                    <a:lumMod val="50000"/>
+                  </a:schemeClr>
+                </a:solidFill>
+              </a:rPr>
+              <a:t>Indicator formula = 0.5 X Pattern + 2 X R&amp;D + Technical Journal + High Technology</a:t>
+            </a:r>
+          </a:p>
+        </p:txBody>
+      </p:sp>
+      <p:graphicFrame>
+        <p:nvGraphicFramePr>
+          <p:cNvPr id="8" name="Chart 7">
+            <a:extLst>
+              <a:ext uri="{FF2B5EF4-FFF2-40B4-BE49-F238E27FC236}">
+                <a16:creationId xmlns:a16="http://schemas.microsoft.com/office/drawing/2014/main" id="{D105014D-12BA-49E6-6658-C715825F7190}"/>
+              </a:ext>
+            </a:extLst>
+          </p:cNvPr>
+          <p:cNvGraphicFramePr>
+            <a:graphicFrameLocks/>
+          </p:cNvGraphicFramePr>
+          <p:nvPr>
+            <p:extLst>
+              <p:ext uri="{D42A27DB-BD31-4B8C-83A1-F6EECF244321}">
+                <p14:modId xmlns:p14="http://schemas.microsoft.com/office/powerpoint/2010/main" val="3307315112"/>
+              </p:ext>
+            </p:extLst>
+          </p:nvPr>
+        </p:nvGraphicFramePr>
+        <p:xfrm>
+          <a:off x="1497541" y="2728760"/>
+          <a:ext cx="5351991" cy="2490131"/>
+        </p:xfrm>
+        <a:graphic>
+          <a:graphicData uri="http://schemas.openxmlformats.org/drawingml/2006/chart">
+            <c:chart xmlns:c="http://schemas.openxmlformats.org/drawingml/2006/chart" xmlns:r="http://schemas.openxmlformats.org/officeDocument/2006/relationships" r:id="rId4"/>
+          </a:graphicData>
+        </a:graphic>
+      </p:graphicFrame>
+      <p:sp>
+        <p:nvSpPr>
+          <p:cNvPr id="9" name="TextBox 8">
+            <a:extLst>
+              <a:ext uri="{FF2B5EF4-FFF2-40B4-BE49-F238E27FC236}">
+                <a16:creationId xmlns:a16="http://schemas.microsoft.com/office/drawing/2014/main" id="{F6F5443D-7076-830F-E40A-E9B59AF986ED}"/>
+              </a:ext>
+            </a:extLst>
+          </p:cNvPr>
+          <p:cNvSpPr txBox="1"/>
+          <p:nvPr/>
+        </p:nvSpPr>
+        <p:spPr>
+          <a:xfrm>
+            <a:off x="457200" y="5655268"/>
+            <a:ext cx="9279466" cy="646331"/>
+          </a:xfrm>
+          <a:prstGeom prst="rect">
+            <a:avLst/>
+          </a:prstGeom>
+          <a:noFill/>
+        </p:spPr>
+        <p:txBody>
+          <a:bodyPr wrap="square" rtlCol="0">
+            <a:spAutoFit/>
+          </a:bodyPr>
+          <a:lstStyle/>
+          <a:p>
+            <a:pPr marL="285750" indent="-285750">
+              <a:buFont typeface="Arial" panose="020B0604020202020204" pitchFamily="34" charset="0"/>
+              <a:buChar char="•"/>
+            </a:pPr>
+            <a:r>
+              <a:rPr lang="en-GB" dirty="0">
+                <a:solidFill>
+                  <a:schemeClr val="accent1">
+                    <a:lumMod val="50000"/>
+                  </a:schemeClr>
+                </a:solidFill>
+              </a:rPr>
+              <a:t>From the 10 countries, the top 3 are USA, ISR and JPN for the year 2014. </a:t>
+            </a:r>
+          </a:p>
+          <a:p>
+            <a:pPr marL="285750" indent="-285750">
+              <a:buFont typeface="Arial" panose="020B0604020202020204" pitchFamily="34" charset="0"/>
+              <a:buChar char="•"/>
+            </a:pPr>
+            <a:r>
+              <a:rPr lang="en-GB" dirty="0">
+                <a:solidFill>
+                  <a:schemeClr val="accent1">
+                    <a:lumMod val="50000"/>
+                  </a:schemeClr>
+                </a:solidFill>
+              </a:rPr>
+              <a:t>The worse counties are HRV, ESP and ITA</a:t>
+            </a:r>
+          </a:p>
+        </p:txBody>
+      </p:sp>
+    </p:spTree>
+    <p:extLst>
+      <p:ext uri="{BB962C8B-B14F-4D97-AF65-F5344CB8AC3E}">
+        <p14:creationId xmlns:p14="http://schemas.microsoft.com/office/powerpoint/2010/main" val="2426769791"/>
+      </p:ext>
+    </p:extLst>
+  </p:cSld>
+  <p:clrMapOvr>
+    <a:masterClrMapping/>
+  </p:clrMapOvr>
+</p:sld>
+</file>
+
+<file path=ppt/slides/slide7.xml><?xml version="1.0" encoding="utf-8"?>
+<p:sld xmlns:a="http://schemas.openxmlformats.org/drawingml/2006/main" xmlns:r="http://schemas.openxmlformats.org/officeDocument/2006/relationships" xmlns:p="http://schemas.openxmlformats.org/presentationml/2006/main">
+  <p:cSld>
+    <p:spTree>
+      <p:nvGrpSpPr>
+        <p:cNvPr id="1" name=""/>
+        <p:cNvGrpSpPr/>
+        <p:nvPr/>
+      </p:nvGrpSpPr>
+      <p:grpSpPr>
+        <a:xfrm>
+          <a:off x="0" y="0"/>
+          <a:ext cx="0" cy="0"/>
+          <a:chOff x="0" y="0"/>
+          <a:chExt cx="0" cy="0"/>
+        </a:xfrm>
+      </p:grpSpPr>
+      <p:sp>
+        <p:nvSpPr>
+          <p:cNvPr id="2" name="Title 1">
+            <a:extLst>
+              <a:ext uri="{FF2B5EF4-FFF2-40B4-BE49-F238E27FC236}">
+                <a16:creationId xmlns:a16="http://schemas.microsoft.com/office/drawing/2014/main" id="{3BEF93F7-D45B-68F7-4E28-0844B627DDA5}"/>
+              </a:ext>
+            </a:extLst>
+          </p:cNvPr>
+          <p:cNvSpPr>
+            <a:spLocks noGrp="1"/>
+          </p:cNvSpPr>
+          <p:nvPr>
+            <p:ph type="ctrTitle"/>
+          </p:nvPr>
+        </p:nvSpPr>
+        <p:spPr>
+          <a:xfrm>
+            <a:off x="1663599" y="344843"/>
+            <a:ext cx="7837589" cy="847114"/>
+          </a:xfrm>
+        </p:spPr>
+        <p:txBody>
+          <a:bodyPr>
+            <a:noAutofit/>
+          </a:bodyPr>
+          <a:lstStyle/>
+          <a:p>
+            <a:pPr algn="just"/>
+            <a:r>
+              <a:rPr lang="en-PT" sz="3200" dirty="0">
+                <a:solidFill>
+                  <a:schemeClr val="accent1">
+                    <a:lumMod val="50000"/>
+                  </a:schemeClr>
+                </a:solidFill>
+              </a:rPr>
+              <a:t>Project 2 - </a:t>
+            </a:r>
+            <a:r>
+              <a:rPr lang="en-GB" sz="3200" b="1" dirty="0">
+                <a:solidFill>
+                  <a:schemeClr val="accent1">
+                    <a:lumMod val="50000"/>
+                  </a:schemeClr>
+                </a:solidFill>
+              </a:rPr>
+              <a:t>Creating Database in MYSQL</a:t>
+            </a:r>
+            <a:endParaRPr lang="en-PT" sz="3200" dirty="0">
+              <a:solidFill>
+                <a:schemeClr val="accent1">
+                  <a:lumMod val="50000"/>
+                </a:schemeClr>
+              </a:solidFill>
+            </a:endParaRPr>
+          </a:p>
+        </p:txBody>
+      </p:sp>
+      <p:pic>
+        <p:nvPicPr>
+          <p:cNvPr id="4" name="Google Shape;109;p27">
+            <a:extLst>
+              <a:ext uri="{FF2B5EF4-FFF2-40B4-BE49-F238E27FC236}">
+                <a16:creationId xmlns:a16="http://schemas.microsoft.com/office/drawing/2014/main" id="{EA4D6600-5010-A9D9-EEA2-2672B776C650}"/>
+              </a:ext>
+            </a:extLst>
+          </p:cNvPr>
+          <p:cNvPicPr preferRelativeResize="0"/>
+          <p:nvPr/>
+        </p:nvPicPr>
+        <p:blipFill>
+          <a:blip r:embed="rId3">
+            <a:alphaModFix/>
+          </a:blip>
+          <a:stretch>
+            <a:fillRect/>
+          </a:stretch>
+        </p:blipFill>
+        <p:spPr>
+          <a:xfrm>
+            <a:off x="0" y="-63399"/>
+            <a:ext cx="1663599" cy="1663599"/>
+          </a:xfrm>
+          <a:prstGeom prst="rect">
+            <a:avLst/>
+          </a:prstGeom>
+          <a:noFill/>
+          <a:ln>
+            <a:noFill/>
+          </a:ln>
+        </p:spPr>
+      </p:pic>
+      <p:sp>
+        <p:nvSpPr>
+          <p:cNvPr id="6" name="Title 1">
+            <a:extLst>
+              <a:ext uri="{FF2B5EF4-FFF2-40B4-BE49-F238E27FC236}">
+                <a16:creationId xmlns:a16="http://schemas.microsoft.com/office/drawing/2014/main" id="{FC15AF38-D0D0-8EFE-95B4-3F7B5E18BE9F}"/>
+              </a:ext>
+            </a:extLst>
+          </p:cNvPr>
+          <p:cNvSpPr txBox="1">
+            <a:spLocks/>
+          </p:cNvSpPr>
+          <p:nvPr/>
+        </p:nvSpPr>
+        <p:spPr>
+          <a:xfrm>
+            <a:off x="831798" y="1367449"/>
+            <a:ext cx="5492801" cy="640993"/>
+          </a:xfrm>
+          <a:prstGeom prst="rect">
+            <a:avLst/>
+          </a:prstGeom>
+        </p:spPr>
+        <p:txBody>
+          <a:bodyPr vert="horz" lIns="91440" tIns="45720" rIns="91440" bIns="45720" rtlCol="0" anchor="b">
+            <a:normAutofit fontScale="97500"/>
+          </a:bodyPr>
+          <a:lstStyle>
+            <a:lvl1pPr algn="r" defTabSz="457200" rtl="0" eaLnBrk="1" latinLnBrk="0" hangingPunct="1">
+              <a:spcBef>
+                <a:spcPct val="0"/>
+              </a:spcBef>
+              <a:buNone/>
+              <a:defRPr sz="5400" kern="1200">
+                <a:solidFill>
+                  <a:schemeClr val="accent1"/>
+                </a:solidFill>
+                <a:latin typeface="+mj-lt"/>
+                <a:ea typeface="+mj-ea"/>
+                <a:cs typeface="+mj-cs"/>
+              </a:defRPr>
+            </a:lvl1pPr>
+            <a:lvl2pPr eaLnBrk="1" hangingPunct="1">
+              <a:defRPr>
+                <a:solidFill>
+                  <a:schemeClr val="tx2"/>
+                </a:solidFill>
+              </a:defRPr>
+            </a:lvl2pPr>
+            <a:lvl3pPr eaLnBrk="1" hangingPunct="1">
+              <a:defRPr>
+                <a:solidFill>
+                  <a:schemeClr val="tx2"/>
+                </a:solidFill>
+              </a:defRPr>
+            </a:lvl3pPr>
+            <a:lvl4pPr eaLnBrk="1" hangingPunct="1">
+              <a:defRPr>
+                <a:solidFill>
+                  <a:schemeClr val="tx2"/>
+                </a:solidFill>
+              </a:defRPr>
+            </a:lvl4pPr>
+            <a:lvl5pPr eaLnBrk="1" hangingPunct="1">
+              <a:defRPr>
+                <a:solidFill>
+                  <a:schemeClr val="tx2"/>
+                </a:solidFill>
+              </a:defRPr>
+            </a:lvl5pPr>
+            <a:lvl6pPr eaLnBrk="1" hangingPunct="1">
+              <a:defRPr>
+                <a:solidFill>
+                  <a:schemeClr val="tx2"/>
+                </a:solidFill>
+              </a:defRPr>
+            </a:lvl6pPr>
+            <a:lvl7pPr eaLnBrk="1" hangingPunct="1">
+              <a:defRPr>
+                <a:solidFill>
+                  <a:schemeClr val="tx2"/>
+                </a:solidFill>
+              </a:defRPr>
+            </a:lvl7pPr>
+            <a:lvl8pPr eaLnBrk="1" hangingPunct="1">
+              <a:defRPr>
+                <a:solidFill>
+                  <a:schemeClr val="tx2"/>
+                </a:solidFill>
+              </a:defRPr>
+            </a:lvl8pPr>
+            <a:lvl9pPr eaLnBrk="1" hangingPunct="1">
+              <a:defRPr>
+                <a:solidFill>
+                  <a:schemeClr val="tx2"/>
+                </a:solidFill>
+              </a:defRPr>
+            </a:lvl9pPr>
+          </a:lstStyle>
+          <a:p>
+            <a:pPr algn="just"/>
+            <a:r>
+              <a:rPr lang="en-PT" sz="3600" dirty="0">
+                <a:solidFill>
+                  <a:schemeClr val="accent1">
+                    <a:lumMod val="50000"/>
+                  </a:schemeClr>
+                </a:solidFill>
+              </a:rPr>
+              <a:t>Demo</a:t>
+            </a:r>
+          </a:p>
+        </p:txBody>
+      </p:sp>
+      <p:pic>
+        <p:nvPicPr>
+          <p:cNvPr id="5" name="Picture 4">
+            <a:extLst>
+              <a:ext uri="{FF2B5EF4-FFF2-40B4-BE49-F238E27FC236}">
+                <a16:creationId xmlns:a16="http://schemas.microsoft.com/office/drawing/2014/main" id="{0F7476D8-7913-091B-0C2E-176AF051E24E}"/>
+              </a:ext>
+            </a:extLst>
+          </p:cNvPr>
+          <p:cNvPicPr>
+            <a:picLocks noChangeAspect="1"/>
+          </p:cNvPicPr>
+          <p:nvPr/>
+        </p:nvPicPr>
+        <p:blipFill>
+          <a:blip r:embed="rId4"/>
+          <a:stretch>
+            <a:fillRect/>
+          </a:stretch>
+        </p:blipFill>
+        <p:spPr>
+          <a:xfrm>
+            <a:off x="831798" y="1924050"/>
+            <a:ext cx="9004300" cy="4787900"/>
+          </a:xfrm>
+          <a:prstGeom prst="rect">
+            <a:avLst/>
+          </a:prstGeom>
+        </p:spPr>
+      </p:pic>
+    </p:spTree>
+    <p:extLst>
+      <p:ext uri="{BB962C8B-B14F-4D97-AF65-F5344CB8AC3E}">
+        <p14:creationId xmlns:p14="http://schemas.microsoft.com/office/powerpoint/2010/main" val="690251505"/>
+      </p:ext>
+    </p:extLst>
+  </p:cSld>
+  <p:clrMapOvr>
+    <a:masterClrMapping/>
+  </p:clrMapOvr>
+</p:sld>
+</file>
+
+<file path=ppt/slides/slide8.xml><?xml version="1.0" encoding="utf-8"?>
+<p:sld xmlns:a="http://schemas.openxmlformats.org/drawingml/2006/main" xmlns:r="http://schemas.openxmlformats.org/officeDocument/2006/relationships" xmlns:p="http://schemas.openxmlformats.org/presentationml/2006/main">
+  <p:cSld>
+    <p:spTree>
+      <p:nvGrpSpPr>
+        <p:cNvPr id="1" name=""/>
+        <p:cNvGrpSpPr/>
+        <p:nvPr/>
+      </p:nvGrpSpPr>
+      <p:grpSpPr>
+        <a:xfrm>
+          <a:off x="0" y="0"/>
+          <a:ext cx="0" cy="0"/>
+          <a:chOff x="0" y="0"/>
+          <a:chExt cx="0" cy="0"/>
+        </a:xfrm>
+      </p:grpSpPr>
+      <p:sp>
+        <p:nvSpPr>
+          <p:cNvPr id="2" name="Title 1">
+            <a:extLst>
+              <a:ext uri="{FF2B5EF4-FFF2-40B4-BE49-F238E27FC236}">
+                <a16:creationId xmlns:a16="http://schemas.microsoft.com/office/drawing/2014/main" id="{3BEF93F7-D45B-68F7-4E28-0844B627DDA5}"/>
+              </a:ext>
+            </a:extLst>
+          </p:cNvPr>
+          <p:cNvSpPr>
+            <a:spLocks noGrp="1"/>
+          </p:cNvSpPr>
+          <p:nvPr>
+            <p:ph type="ctrTitle"/>
+          </p:nvPr>
+        </p:nvSpPr>
+        <p:spPr>
+          <a:xfrm>
+            <a:off x="1663599" y="344843"/>
+            <a:ext cx="7837589" cy="847114"/>
+          </a:xfrm>
+        </p:spPr>
+        <p:txBody>
+          <a:bodyPr>
+            <a:normAutofit fontScale="90000"/>
+          </a:bodyPr>
+          <a:lstStyle/>
+          <a:p>
+            <a:r>
+              <a:rPr lang="en-PT" dirty="0"/>
+              <a:t>Project 1 - Game Hang Man</a:t>
+            </a:r>
+          </a:p>
+        </p:txBody>
+      </p:sp>
+      <p:pic>
+        <p:nvPicPr>
+          <p:cNvPr id="4" name="Google Shape;109;p27">
+            <a:extLst>
+              <a:ext uri="{FF2B5EF4-FFF2-40B4-BE49-F238E27FC236}">
+                <a16:creationId xmlns:a16="http://schemas.microsoft.com/office/drawing/2014/main" id="{EA4D6600-5010-A9D9-EEA2-2672B776C650}"/>
+              </a:ext>
+            </a:extLst>
+          </p:cNvPr>
+          <p:cNvPicPr preferRelativeResize="0"/>
+          <p:nvPr/>
+        </p:nvPicPr>
+        <p:blipFill>
+          <a:blip r:embed="rId2">
+            <a:alphaModFix/>
+          </a:blip>
+          <a:stretch>
+            <a:fillRect/>
+          </a:stretch>
+        </p:blipFill>
+        <p:spPr>
+          <a:xfrm>
+            <a:off x="0" y="-63399"/>
+            <a:ext cx="1663599" cy="1663599"/>
+          </a:xfrm>
+          <a:prstGeom prst="rect">
+            <a:avLst/>
+          </a:prstGeom>
+          <a:noFill/>
+          <a:ln>
+            <a:noFill/>
+          </a:ln>
+        </p:spPr>
+      </p:pic>
+      <p:sp>
+        <p:nvSpPr>
           <p:cNvPr id="7" name="Title 1">
             <a:extLst>
               <a:ext uri="{FF2B5EF4-FFF2-40B4-BE49-F238E27FC236}">
@@ -7124,7 +10090,7 @@
 </p:sld>
 </file>
 
-<file path=ppt/slides/slide5.xml><?xml version="1.0" encoding="utf-8"?>
+<file path=ppt/slides/slide9.xml><?xml version="1.0" encoding="utf-8"?>
 <p:sld xmlns:a="http://schemas.openxmlformats.org/drawingml/2006/main" xmlns:r="http://schemas.openxmlformats.org/officeDocument/2006/relationships" xmlns:p="http://schemas.openxmlformats.org/presentationml/2006/main">
   <p:cSld>
     <p:spTree>
@@ -7546,4 +10512,299 @@
     </a:ext>
   </a:extLst>
 </a:theme>
+</file>
+
+<file path=ppt/theme/theme2.xml><?xml version="1.0" encoding="utf-8"?>
+<a:theme xmlns:a="http://schemas.openxmlformats.org/drawingml/2006/main" name="Office Theme">
+  <a:themeElements>
+    <a:clrScheme name="Office">
+      <a:dk1>
+        <a:sysClr val="windowText" lastClr="000000"/>
+      </a:dk1>
+      <a:lt1>
+        <a:sysClr val="window" lastClr="FFFFFF"/>
+      </a:lt1>
+      <a:dk2>
+        <a:srgbClr val="44546A"/>
+      </a:dk2>
+      <a:lt2>
+        <a:srgbClr val="E7E6E6"/>
+      </a:lt2>
+      <a:accent1>
+        <a:srgbClr val="4472C4"/>
+      </a:accent1>
+      <a:accent2>
+        <a:srgbClr val="ED7D31"/>
+      </a:accent2>
+      <a:accent3>
+        <a:srgbClr val="A5A5A5"/>
+      </a:accent3>
+      <a:accent4>
+        <a:srgbClr val="FFC000"/>
+      </a:accent4>
+      <a:accent5>
+        <a:srgbClr val="5B9BD5"/>
+      </a:accent5>
+      <a:accent6>
+        <a:srgbClr val="70AD47"/>
+      </a:accent6>
+      <a:hlink>
+        <a:srgbClr val="0563C1"/>
+      </a:hlink>
+      <a:folHlink>
+        <a:srgbClr val="954F72"/>
+      </a:folHlink>
+    </a:clrScheme>
+    <a:fontScheme name="Office">
+      <a:majorFont>
+        <a:latin typeface="Calibri Light" panose="020F0302020204030204"/>
+        <a:ea typeface=""/>
+        <a:cs typeface=""/>
+        <a:font script="Jpan" typeface="游ゴシック Light"/>
+        <a:font script="Hang" typeface="맑은 고딕"/>
+        <a:font script="Hans" typeface="等线 Light"/>
+        <a:font script="Hant" typeface="新細明體"/>
+        <a:font script="Arab" typeface="Times New Roman"/>
+        <a:font script="Hebr" typeface="Times New Roman"/>
+        <a:font script="Thai" typeface="Angsana New"/>
+        <a:font script="Ethi" typeface="Nyala"/>
+        <a:font script="Beng" typeface="Vrinda"/>
+        <a:font script="Gujr" typeface="Shruti"/>
+        <a:font script="Khmr" typeface="MoolBoran"/>
+        <a:font script="Knda" typeface="Tunga"/>
+        <a:font script="Guru" typeface="Raavi"/>
+        <a:font script="Cans" typeface="Euphemia"/>
+        <a:font script="Cher" typeface="Plantagenet Cherokee"/>
+        <a:font script="Yiii" typeface="Microsoft Yi Baiti"/>
+        <a:font script="Tibt" typeface="Microsoft Himalaya"/>
+        <a:font script="Thaa" typeface="MV Boli"/>
+        <a:font script="Deva" typeface="Mangal"/>
+        <a:font script="Telu" typeface="Gautami"/>
+        <a:font script="Taml" typeface="Latha"/>
+        <a:font script="Syrc" typeface="Estrangelo Edessa"/>
+        <a:font script="Orya" typeface="Kalinga"/>
+        <a:font script="Mlym" typeface="Kartika"/>
+        <a:font script="Laoo" typeface="DokChampa"/>
+        <a:font script="Sinh" typeface="Iskoola Pota"/>
+        <a:font script="Mong" typeface="Mongolian Baiti"/>
+        <a:font script="Viet" typeface="Times New Roman"/>
+        <a:font script="Uigh" typeface="Microsoft Uighur"/>
+        <a:font script="Geor" typeface="Sylfaen"/>
+        <a:font script="Armn" typeface="Arial"/>
+        <a:font script="Bugi" typeface="Leelawadee UI"/>
+        <a:font script="Bopo" typeface="Microsoft JhengHei"/>
+        <a:font script="Java" typeface="Javanese Text"/>
+        <a:font script="Lisu" typeface="Segoe UI"/>
+        <a:font script="Mymr" typeface="Myanmar Text"/>
+        <a:font script="Nkoo" typeface="Ebrima"/>
+        <a:font script="Olck" typeface="Nirmala UI"/>
+        <a:font script="Osma" typeface="Ebrima"/>
+        <a:font script="Phag" typeface="Phagspa"/>
+        <a:font script="Syrn" typeface="Estrangelo Edessa"/>
+        <a:font script="Syrj" typeface="Estrangelo Edessa"/>
+        <a:font script="Syre" typeface="Estrangelo Edessa"/>
+        <a:font script="Sora" typeface="Nirmala UI"/>
+        <a:font script="Tale" typeface="Microsoft Tai Le"/>
+        <a:font script="Talu" typeface="Microsoft New Tai Lue"/>
+        <a:font script="Tfng" typeface="Ebrima"/>
+      </a:majorFont>
+      <a:minorFont>
+        <a:latin typeface="Calibri" panose="020F0502020204030204"/>
+        <a:ea typeface=""/>
+        <a:cs typeface=""/>
+        <a:font script="Jpan" typeface="游ゴシック"/>
+        <a:font script="Hang" typeface="맑은 고딕"/>
+        <a:font script="Hans" typeface="等线"/>
+        <a:font script="Hant" typeface="新細明體"/>
+        <a:font script="Arab" typeface="Arial"/>
+        <a:font script="Hebr" typeface="Arial"/>
+        <a:font script="Thai" typeface="Cordia New"/>
+        <a:font script="Ethi" typeface="Nyala"/>
+        <a:font script="Beng" typeface="Vrinda"/>
+        <a:font script="Gujr" typeface="Shruti"/>
+        <a:font script="Khmr" typeface="DaunPenh"/>
+        <a:font script="Knda" typeface="Tunga"/>
+        <a:font script="Guru" typeface="Raavi"/>
+        <a:font script="Cans" typeface="Euphemia"/>
+        <a:font script="Cher" typeface="Plantagenet Cherokee"/>
+        <a:font script="Yiii" typeface="Microsoft Yi Baiti"/>
+        <a:font script="Tibt" typeface="Microsoft Himalaya"/>
+        <a:font script="Thaa" typeface="MV Boli"/>
+        <a:font script="Deva" typeface="Mangal"/>
+        <a:font script="Telu" typeface="Gautami"/>
+        <a:font script="Taml" typeface="Latha"/>
+        <a:font script="Syrc" typeface="Estrangelo Edessa"/>
+        <a:font script="Orya" typeface="Kalinga"/>
+        <a:font script="Mlym" typeface="Kartika"/>
+        <a:font script="Laoo" typeface="DokChampa"/>
+        <a:font script="Sinh" typeface="Iskoola Pota"/>
+        <a:font script="Mong" typeface="Mongolian Baiti"/>
+        <a:font script="Viet" typeface="Arial"/>
+        <a:font script="Uigh" typeface="Microsoft Uighur"/>
+        <a:font script="Geor" typeface="Sylfaen"/>
+        <a:font script="Armn" typeface="Arial"/>
+        <a:font script="Bugi" typeface="Leelawadee UI"/>
+        <a:font script="Bopo" typeface="Microsoft JhengHei"/>
+        <a:font script="Java" typeface="Javanese Text"/>
+        <a:font script="Lisu" typeface="Segoe UI"/>
+        <a:font script="Mymr" typeface="Myanmar Text"/>
+        <a:font script="Nkoo" typeface="Ebrima"/>
+        <a:font script="Olck" typeface="Nirmala UI"/>
+        <a:font script="Osma" typeface="Ebrima"/>
+        <a:font script="Phag" typeface="Phagspa"/>
+        <a:font script="Syrn" typeface="Estrangelo Edessa"/>
+        <a:font script="Syrj" typeface="Estrangelo Edessa"/>
+        <a:font script="Syre" typeface="Estrangelo Edessa"/>
+        <a:font script="Sora" typeface="Nirmala UI"/>
+        <a:font script="Tale" typeface="Microsoft Tai Le"/>
+        <a:font script="Talu" typeface="Microsoft New Tai Lue"/>
+        <a:font script="Tfng" typeface="Ebrima"/>
+      </a:minorFont>
+    </a:fontScheme>
+    <a:fmtScheme name="Office">
+      <a:fillStyleLst>
+        <a:solidFill>
+          <a:schemeClr val="phClr"/>
+        </a:solidFill>
+        <a:gradFill rotWithShape="1">
+          <a:gsLst>
+            <a:gs pos="0">
+              <a:schemeClr val="phClr">
+                <a:lumMod val="110000"/>
+                <a:satMod val="105000"/>
+                <a:tint val="67000"/>
+              </a:schemeClr>
+            </a:gs>
+            <a:gs pos="50000">
+              <a:schemeClr val="phClr">
+                <a:lumMod val="105000"/>
+                <a:satMod val="103000"/>
+                <a:tint val="73000"/>
+              </a:schemeClr>
+            </a:gs>
+            <a:gs pos="100000">
+              <a:schemeClr val="phClr">
+                <a:lumMod val="105000"/>
+                <a:satMod val="109000"/>
+                <a:tint val="81000"/>
+              </a:schemeClr>
+            </a:gs>
+          </a:gsLst>
+          <a:lin ang="5400000" scaled="0"/>
+        </a:gradFill>
+        <a:gradFill rotWithShape="1">
+          <a:gsLst>
+            <a:gs pos="0">
+              <a:schemeClr val="phClr">
+                <a:satMod val="103000"/>
+                <a:lumMod val="102000"/>
+                <a:tint val="94000"/>
+              </a:schemeClr>
+            </a:gs>
+            <a:gs pos="50000">
+              <a:schemeClr val="phClr">
+                <a:satMod val="110000"/>
+                <a:lumMod val="100000"/>
+                <a:shade val="100000"/>
+              </a:schemeClr>
+            </a:gs>
+            <a:gs pos="100000">
+              <a:schemeClr val="phClr">
+                <a:lumMod val="99000"/>
+                <a:satMod val="120000"/>
+                <a:shade val="78000"/>
+              </a:schemeClr>
+            </a:gs>
+          </a:gsLst>
+          <a:lin ang="5400000" scaled="0"/>
+        </a:gradFill>
+      </a:fillStyleLst>
+      <a:lnStyleLst>
+        <a:ln w="6350" cap="flat" cmpd="sng" algn="ctr">
+          <a:solidFill>
+            <a:schemeClr val="phClr"/>
+          </a:solidFill>
+          <a:prstDash val="solid"/>
+          <a:miter lim="800000"/>
+        </a:ln>
+        <a:ln w="12700" cap="flat" cmpd="sng" algn="ctr">
+          <a:solidFill>
+            <a:schemeClr val="phClr"/>
+          </a:solidFill>
+          <a:prstDash val="solid"/>
+          <a:miter lim="800000"/>
+        </a:ln>
+        <a:ln w="19050" cap="flat" cmpd="sng" algn="ctr">
+          <a:solidFill>
+            <a:schemeClr val="phClr"/>
+          </a:solidFill>
+          <a:prstDash val="solid"/>
+          <a:miter lim="800000"/>
+        </a:ln>
+      </a:lnStyleLst>
+      <a:effectStyleLst>
+        <a:effectStyle>
+          <a:effectLst/>
+        </a:effectStyle>
+        <a:effectStyle>
+          <a:effectLst/>
+        </a:effectStyle>
+        <a:effectStyle>
+          <a:effectLst>
+            <a:outerShdw blurRad="57150" dist="19050" dir="5400000" algn="ctr" rotWithShape="0">
+              <a:srgbClr val="000000">
+                <a:alpha val="63000"/>
+              </a:srgbClr>
+            </a:outerShdw>
+          </a:effectLst>
+        </a:effectStyle>
+      </a:effectStyleLst>
+      <a:bgFillStyleLst>
+        <a:solidFill>
+          <a:schemeClr val="phClr"/>
+        </a:solidFill>
+        <a:solidFill>
+          <a:schemeClr val="phClr">
+            <a:tint val="95000"/>
+            <a:satMod val="170000"/>
+          </a:schemeClr>
+        </a:solidFill>
+        <a:gradFill rotWithShape="1">
+          <a:gsLst>
+            <a:gs pos="0">
+              <a:schemeClr val="phClr">
+                <a:tint val="93000"/>
+                <a:satMod val="150000"/>
+                <a:shade val="98000"/>
+                <a:lumMod val="102000"/>
+              </a:schemeClr>
+            </a:gs>
+            <a:gs pos="50000">
+              <a:schemeClr val="phClr">
+                <a:tint val="98000"/>
+                <a:satMod val="130000"/>
+                <a:shade val="90000"/>
+                <a:lumMod val="103000"/>
+              </a:schemeClr>
+            </a:gs>
+            <a:gs pos="100000">
+              <a:schemeClr val="phClr">
+                <a:shade val="63000"/>
+                <a:satMod val="120000"/>
+              </a:schemeClr>
+            </a:gs>
+          </a:gsLst>
+          <a:lin ang="5400000" scaled="0"/>
+        </a:gradFill>
+      </a:bgFillStyleLst>
+    </a:fmtScheme>
+  </a:themeElements>
+  <a:objectDefaults/>
+  <a:extraClrSchemeLst/>
+  <a:extLst>
+    <a:ext uri="{05A4C25C-085E-4340-85A3-A5531E510DB2}">
+      <thm15:themeFamily xmlns:thm15="http://schemas.microsoft.com/office/thememl/2012/main" name="Office Theme" id="{62F939B6-93AF-4DB8-9C6B-D6C7DFDC589F}" vid="{4A3C46E8-61CC-4603-A589-7422A47A8E4A}"/>
+    </a:ext>
+  </a:extLst>
+</a:theme>
 </file>
--- a/Project2 WorldBank technology.pptx
+++ b/Project2 WorldBank technology.pptx
@@ -194,7 +194,17 @@
     </c:title>
     <c:autoTitleDeleted val="0"/>
     <c:plotArea>
-      <c:layout/>
+      <c:layout>
+        <c:manualLayout>
+          <c:layoutTarget val="inner"/>
+          <c:xMode val="edge"/>
+          <c:yMode val="edge"/>
+          <c:x val="6.4749735192006122E-2"/>
+          <c:y val="0.21040619951319831"/>
+          <c:w val="0.90914782928446625"/>
+          <c:h val="0.69991699231887805"/>
+        </c:manualLayout>
+      </c:layout>
       <c:barChart>
         <c:barDir val="col"/>
         <c:grouping val="clustered"/>
@@ -1094,7 +1104,7 @@
           <a:p>
             <a:fld id="{43629953-D9AE-8249-9DDE-69509F1EC9BA}" type="datetimeFigureOut">
               <a:rPr lang="en-PT" smtClean="0"/>
-              <a:t>22/05/2022</a:t>
+              <a:t>05/06/2022</a:t>
             </a:fld>
             <a:endParaRPr lang="en-PT"/>
           </a:p>
@@ -2359,7 +2369,7 @@
           <a:p>
             <a:fld id="{C279F69C-1302-0242-9CE6-72FA356894C0}" type="datetimeFigureOut">
               <a:rPr lang="en-PT" smtClean="0"/>
-              <a:t>22/05/2022</a:t>
+              <a:t>05/06/2022</a:t>
             </a:fld>
             <a:endParaRPr lang="en-PT"/>
           </a:p>
@@ -2610,7 +2620,7 @@
           <a:p>
             <a:fld id="{C279F69C-1302-0242-9CE6-72FA356894C0}" type="datetimeFigureOut">
               <a:rPr lang="en-PT" smtClean="0"/>
-              <a:t>22/05/2022</a:t>
+              <a:t>05/06/2022</a:t>
             </a:fld>
             <a:endParaRPr lang="en-PT"/>
           </a:p>
@@ -2924,7 +2934,7 @@
           <a:p>
             <a:fld id="{C279F69C-1302-0242-9CE6-72FA356894C0}" type="datetimeFigureOut">
               <a:rPr lang="en-PT" smtClean="0"/>
-              <a:t>22/05/2022</a:t>
+              <a:t>05/06/2022</a:t>
             </a:fld>
             <a:endParaRPr lang="en-PT"/>
           </a:p>
@@ -3257,7 +3267,7 @@
           <a:p>
             <a:fld id="{C279F69C-1302-0242-9CE6-72FA356894C0}" type="datetimeFigureOut">
               <a:rPr lang="en-PT" smtClean="0"/>
-              <a:t>22/05/2022</a:t>
+              <a:t>05/06/2022</a:t>
             </a:fld>
             <a:endParaRPr lang="en-PT"/>
           </a:p>
@@ -3571,7 +3581,7 @@
           <a:p>
             <a:fld id="{C279F69C-1302-0242-9CE6-72FA356894C0}" type="datetimeFigureOut">
               <a:rPr lang="en-PT" smtClean="0"/>
-              <a:t>22/05/2022</a:t>
+              <a:t>05/06/2022</a:t>
             </a:fld>
             <a:endParaRPr lang="en-PT"/>
           </a:p>
@@ -3964,7 +3974,7 @@
           <a:p>
             <a:fld id="{C279F69C-1302-0242-9CE6-72FA356894C0}" type="datetimeFigureOut">
               <a:rPr lang="en-PT" smtClean="0"/>
-              <a:t>22/05/2022</a:t>
+              <a:t>05/06/2022</a:t>
             </a:fld>
             <a:endParaRPr lang="en-PT"/>
           </a:p>
@@ -4134,7 +4144,7 @@
           <a:p>
             <a:fld id="{C279F69C-1302-0242-9CE6-72FA356894C0}" type="datetimeFigureOut">
               <a:rPr lang="en-PT" smtClean="0"/>
-              <a:t>22/05/2022</a:t>
+              <a:t>05/06/2022</a:t>
             </a:fld>
             <a:endParaRPr lang="en-PT"/>
           </a:p>
@@ -4314,7 +4324,7 @@
           <a:p>
             <a:fld id="{C279F69C-1302-0242-9CE6-72FA356894C0}" type="datetimeFigureOut">
               <a:rPr lang="en-PT" smtClean="0"/>
-              <a:t>22/05/2022</a:t>
+              <a:t>05/06/2022</a:t>
             </a:fld>
             <a:endParaRPr lang="en-PT"/>
           </a:p>
@@ -4484,7 +4494,7 @@
           <a:p>
             <a:fld id="{C279F69C-1302-0242-9CE6-72FA356894C0}" type="datetimeFigureOut">
               <a:rPr lang="en-PT" smtClean="0"/>
-              <a:t>22/05/2022</a:t>
+              <a:t>05/06/2022</a:t>
             </a:fld>
             <a:endParaRPr lang="en-PT"/>
           </a:p>
@@ -4731,7 +4741,7 @@
           <a:p>
             <a:fld id="{C279F69C-1302-0242-9CE6-72FA356894C0}" type="datetimeFigureOut">
               <a:rPr lang="en-PT" smtClean="0"/>
-              <a:t>22/05/2022</a:t>
+              <a:t>05/06/2022</a:t>
             </a:fld>
             <a:endParaRPr lang="en-PT"/>
           </a:p>
@@ -4963,7 +4973,7 @@
           <a:p>
             <a:fld id="{C279F69C-1302-0242-9CE6-72FA356894C0}" type="datetimeFigureOut">
               <a:rPr lang="en-PT" smtClean="0"/>
-              <a:t>22/05/2022</a:t>
+              <a:t>05/06/2022</a:t>
             </a:fld>
             <a:endParaRPr lang="en-PT"/>
           </a:p>
@@ -5337,7 +5347,7 @@
           <a:p>
             <a:fld id="{C279F69C-1302-0242-9CE6-72FA356894C0}" type="datetimeFigureOut">
               <a:rPr lang="en-PT" smtClean="0"/>
-              <a:t>22/05/2022</a:t>
+              <a:t>05/06/2022</a:t>
             </a:fld>
             <a:endParaRPr lang="en-PT"/>
           </a:p>
@@ -5460,7 +5470,7 @@
           <a:p>
             <a:fld id="{C279F69C-1302-0242-9CE6-72FA356894C0}" type="datetimeFigureOut">
               <a:rPr lang="en-PT" smtClean="0"/>
-              <a:t>22/05/2022</a:t>
+              <a:t>05/06/2022</a:t>
             </a:fld>
             <a:endParaRPr lang="en-PT"/>
           </a:p>
@@ -5555,7 +5565,7 @@
           <a:p>
             <a:fld id="{C279F69C-1302-0242-9CE6-72FA356894C0}" type="datetimeFigureOut">
               <a:rPr lang="en-PT" smtClean="0"/>
-              <a:t>22/05/2022</a:t>
+              <a:t>05/06/2022</a:t>
             </a:fld>
             <a:endParaRPr lang="en-PT"/>
           </a:p>
@@ -5810,7 +5820,7 @@
           <a:p>
             <a:fld id="{C279F69C-1302-0242-9CE6-72FA356894C0}" type="datetimeFigureOut">
               <a:rPr lang="en-PT" smtClean="0"/>
-              <a:t>22/05/2022</a:t>
+              <a:t>05/06/2022</a:t>
             </a:fld>
             <a:endParaRPr lang="en-PT"/>
           </a:p>
@@ -6115,7 +6125,7 @@
           <a:p>
             <a:fld id="{C279F69C-1302-0242-9CE6-72FA356894C0}" type="datetimeFigureOut">
               <a:rPr lang="en-PT" smtClean="0"/>
-              <a:t>22/05/2022</a:t>
+              <a:t>05/06/2022</a:t>
             </a:fld>
             <a:endParaRPr lang="en-PT"/>
           </a:p>
@@ -6817,7 +6827,7 @@
           <a:p>
             <a:fld id="{C279F69C-1302-0242-9CE6-72FA356894C0}" type="datetimeFigureOut">
               <a:rPr lang="en-PT" smtClean="0"/>
-              <a:t>22/05/2022</a:t>
+              <a:t>05/06/2022</a:t>
             </a:fld>
             <a:endParaRPr lang="en-PT"/>
           </a:p>
@@ -9410,8 +9420,8 @@
         </p:nvSpPr>
         <p:spPr>
           <a:xfrm>
-            <a:off x="567267" y="2183935"/>
-            <a:ext cx="9279466" cy="369332"/>
+            <a:off x="541867" y="1961962"/>
+            <a:ext cx="9279466" cy="1477328"/>
           </a:xfrm>
           <a:prstGeom prst="rect">
             <a:avLst/>
@@ -9438,6 +9448,37 @@
               </a:rPr>
               <a:t>Indicator formula = 0.5 X Pattern + 2 X R&amp;D + Technical Journal + High Technology</a:t>
             </a:r>
+          </a:p>
+          <a:p>
+            <a:pPr marL="285750" indent="-285750">
+              <a:buFont typeface="Arial" panose="020B0604020202020204" pitchFamily="34" charset="0"/>
+              <a:buChar char="•"/>
+            </a:pPr>
+            <a:r>
+              <a:rPr lang="en-GB" dirty="0">
+                <a:solidFill>
+                  <a:srgbClr val="0F7597"/>
+                </a:solidFill>
+                <a:ea typeface="Trebuchet MS"/>
+                <a:cs typeface="Trebuchet MS"/>
+                <a:sym typeface="Trebuchet MS"/>
+              </a:rPr>
+              <a:t>The composite indicator was based on a arbitrary hunch downgrading the important of patents and giving more weight to investment. We observe a clear North/South distinction, though Portugal holds its place as an innovator in front of France. </a:t>
+            </a:r>
+            <a:endParaRPr lang="en-GB" dirty="0"/>
+          </a:p>
+          <a:p>
+            <a:pPr marL="285750" indent="-285750">
+              <a:buFont typeface="Arial" panose="020B0604020202020204" pitchFamily="34" charset="0"/>
+              <a:buChar char="•"/>
+            </a:pPr>
+            <a:endParaRPr lang="en-GB" dirty="0">
+              <a:solidFill>
+                <a:schemeClr val="accent1">
+                  <a:lumMod val="50000"/>
+                </a:schemeClr>
+              </a:solidFill>
+            </a:endParaRPr>
           </a:p>
         </p:txBody>
       </p:sp>
@@ -9456,13 +9497,13 @@
           <p:nvPr>
             <p:extLst>
               <p:ext uri="{D42A27DB-BD31-4B8C-83A1-F6EECF244321}">
-                <p14:modId xmlns:p14="http://schemas.microsoft.com/office/powerpoint/2010/main" val="3307315112"/>
+                <p14:modId xmlns:p14="http://schemas.microsoft.com/office/powerpoint/2010/main" val="459707209"/>
               </p:ext>
             </p:extLst>
           </p:nvPr>
         </p:nvGraphicFramePr>
         <p:xfrm>
-          <a:off x="1497541" y="2728760"/>
+          <a:off x="1480608" y="3078422"/>
           <a:ext cx="5351991" cy="2490131"/>
         </p:xfrm>
         <a:graphic>
